--- a/Fihirana Fanampiny/FF 23.pptx
+++ b/Fihirana Fanampiny/FF 23.pptx
@@ -116,6 +116,11 @@
       </a:defRPr>
     </a:lvl9pPr>
   </p:defaultTextStyle>
+  <p:extLst>
+    <p:ext uri="{EFAFB233-063F-42B5-8137-9DF3F51BA10A}">
+      <p15:sldGuideLst xmlns:p15="http://schemas.microsoft.com/office/powerpoint/2012/main"/>
+    </p:ext>
+  </p:extLst>
 </p:presentation>
 </file>
 
@@ -250,7 +255,7 @@
           <a:p>
             <a:fld id="{E796929C-1DC5-43C3-992C-B78F6F57E51A}" type="datetimeFigureOut">
               <a:rPr lang="fr-FR" smtClean="0"/>
-              <a:t>28/08/2014</a:t>
+              <a:t>03/08/2025</a:t>
             </a:fld>
             <a:endParaRPr lang="fr-FR"/>
           </a:p>
@@ -420,7 +425,7 @@
           <a:p>
             <a:fld id="{E796929C-1DC5-43C3-992C-B78F6F57E51A}" type="datetimeFigureOut">
               <a:rPr lang="fr-FR" smtClean="0"/>
-              <a:t>28/08/2014</a:t>
+              <a:t>03/08/2025</a:t>
             </a:fld>
             <a:endParaRPr lang="fr-FR"/>
           </a:p>
@@ -600,7 +605,7 @@
           <a:p>
             <a:fld id="{E796929C-1DC5-43C3-992C-B78F6F57E51A}" type="datetimeFigureOut">
               <a:rPr lang="fr-FR" smtClean="0"/>
-              <a:t>28/08/2014</a:t>
+              <a:t>03/08/2025</a:t>
             </a:fld>
             <a:endParaRPr lang="fr-FR"/>
           </a:p>
@@ -770,7 +775,7 @@
           <a:p>
             <a:fld id="{E796929C-1DC5-43C3-992C-B78F6F57E51A}" type="datetimeFigureOut">
               <a:rPr lang="fr-FR" smtClean="0"/>
-              <a:t>28/08/2014</a:t>
+              <a:t>03/08/2025</a:t>
             </a:fld>
             <a:endParaRPr lang="fr-FR"/>
           </a:p>
@@ -1016,7 +1021,7 @@
           <a:p>
             <a:fld id="{E796929C-1DC5-43C3-992C-B78F6F57E51A}" type="datetimeFigureOut">
               <a:rPr lang="fr-FR" smtClean="0"/>
-              <a:t>28/08/2014</a:t>
+              <a:t>03/08/2025</a:t>
             </a:fld>
             <a:endParaRPr lang="fr-FR"/>
           </a:p>
@@ -1248,7 +1253,7 @@
           <a:p>
             <a:fld id="{E796929C-1DC5-43C3-992C-B78F6F57E51A}" type="datetimeFigureOut">
               <a:rPr lang="fr-FR" smtClean="0"/>
-              <a:t>28/08/2014</a:t>
+              <a:t>03/08/2025</a:t>
             </a:fld>
             <a:endParaRPr lang="fr-FR"/>
           </a:p>
@@ -1615,7 +1620,7 @@
           <a:p>
             <a:fld id="{E796929C-1DC5-43C3-992C-B78F6F57E51A}" type="datetimeFigureOut">
               <a:rPr lang="fr-FR" smtClean="0"/>
-              <a:t>28/08/2014</a:t>
+              <a:t>03/08/2025</a:t>
             </a:fld>
             <a:endParaRPr lang="fr-FR"/>
           </a:p>
@@ -1733,7 +1738,7 @@
           <a:p>
             <a:fld id="{E796929C-1DC5-43C3-992C-B78F6F57E51A}" type="datetimeFigureOut">
               <a:rPr lang="fr-FR" smtClean="0"/>
-              <a:t>28/08/2014</a:t>
+              <a:t>03/08/2025</a:t>
             </a:fld>
             <a:endParaRPr lang="fr-FR"/>
           </a:p>
@@ -1828,7 +1833,7 @@
           <a:p>
             <a:fld id="{E796929C-1DC5-43C3-992C-B78F6F57E51A}" type="datetimeFigureOut">
               <a:rPr lang="fr-FR" smtClean="0"/>
-              <a:t>28/08/2014</a:t>
+              <a:t>03/08/2025</a:t>
             </a:fld>
             <a:endParaRPr lang="fr-FR"/>
           </a:p>
@@ -2105,7 +2110,7 @@
           <a:p>
             <a:fld id="{E796929C-1DC5-43C3-992C-B78F6F57E51A}" type="datetimeFigureOut">
               <a:rPr lang="fr-FR" smtClean="0"/>
-              <a:t>28/08/2014</a:t>
+              <a:t>03/08/2025</a:t>
             </a:fld>
             <a:endParaRPr lang="fr-FR"/>
           </a:p>
@@ -2358,7 +2363,7 @@
           <a:p>
             <a:fld id="{E796929C-1DC5-43C3-992C-B78F6F57E51A}" type="datetimeFigureOut">
               <a:rPr lang="fr-FR" smtClean="0"/>
-              <a:t>28/08/2014</a:t>
+              <a:t>03/08/2025</a:t>
             </a:fld>
             <a:endParaRPr lang="fr-FR"/>
           </a:p>
@@ -2571,7 +2576,7 @@
           <a:p>
             <a:fld id="{E796929C-1DC5-43C3-992C-B78F6F57E51A}" type="datetimeFigureOut">
               <a:rPr lang="fr-FR" smtClean="0"/>
-              <a:t>28/08/2014</a:t>
+              <a:t>03/08/2025</a:t>
             </a:fld>
             <a:endParaRPr lang="fr-FR"/>
           </a:p>
@@ -3128,8 +3133,8 @@
         </p:nvSpPr>
         <p:spPr>
           <a:xfrm>
-            <a:off x="-457200" y="331076"/>
-            <a:ext cx="12444248" cy="6186309"/>
+            <a:off x="-116001" y="344725"/>
+            <a:ext cx="12444248" cy="5909310"/>
           </a:xfrm>
           <a:prstGeom prst="rect">
             <a:avLst/>
@@ -3144,50 +3149,50 @@
           <a:p>
             <a:pPr algn="ctr"/>
             <a:r>
-              <a:rPr lang="en-GB" sz="6600" b="1" dirty="0" smtClean="0"/>
+              <a:rPr lang="en-GB" sz="5400" b="1" dirty="0" smtClean="0"/>
               <a:t>3</a:t>
             </a:r>
             <a:r>
-              <a:rPr lang="en-GB" sz="6600" dirty="0" smtClean="0"/>
+              <a:rPr lang="en-GB" sz="5400" dirty="0" smtClean="0"/>
               <a:t>. </a:t>
             </a:r>
             <a:r>
-              <a:rPr lang="en-GB" sz="6600" b="1" dirty="0" err="1" smtClean="0">
+              <a:rPr lang="en-GB" sz="5400" b="1" dirty="0" err="1" smtClean="0">
                 <a:latin typeface="AR BLANCA" panose="02000000000000000000" pitchFamily="2" charset="0"/>
               </a:rPr>
               <a:t>Mbola</a:t>
             </a:r>
             <a:r>
-              <a:rPr lang="en-GB" sz="6600" b="1" dirty="0" smtClean="0">
-                <a:latin typeface="AR BLANCA" panose="02000000000000000000" pitchFamily="2" charset="0"/>
-              </a:rPr>
-              <a:t> </a:t>
-            </a:r>
-            <a:r>
-              <a:rPr lang="en-GB" sz="6600" b="1" dirty="0" err="1">
+              <a:rPr lang="en-GB" sz="5400" b="1" dirty="0" smtClean="0">
+                <a:latin typeface="AR BLANCA" panose="02000000000000000000" pitchFamily="2" charset="0"/>
+              </a:rPr>
+              <a:t> </a:t>
+            </a:r>
+            <a:r>
+              <a:rPr lang="en-GB" sz="5400" b="1" dirty="0" err="1">
                 <a:latin typeface="AR BLANCA" panose="02000000000000000000" pitchFamily="2" charset="0"/>
               </a:rPr>
               <a:t>ho</a:t>
             </a:r>
             <a:r>
-              <a:rPr lang="en-GB" sz="6600" b="1" dirty="0">
-                <a:latin typeface="AR BLANCA" panose="02000000000000000000" pitchFamily="2" charset="0"/>
-              </a:rPr>
-              <a:t> </a:t>
-            </a:r>
-            <a:r>
-              <a:rPr lang="en-GB" sz="6600" b="1" dirty="0" err="1">
+              <a:rPr lang="en-GB" sz="5400" b="1" dirty="0">
+                <a:latin typeface="AR BLANCA" panose="02000000000000000000" pitchFamily="2" charset="0"/>
+              </a:rPr>
+              <a:t> </a:t>
+            </a:r>
+            <a:r>
+              <a:rPr lang="en-GB" sz="5400" b="1" dirty="0" err="1">
                 <a:latin typeface="AR BLANCA" panose="02000000000000000000" pitchFamily="2" charset="0"/>
               </a:rPr>
               <a:t>entin</a:t>
             </a:r>
             <a:r>
-              <a:rPr lang="en-GB" sz="6600" b="1" dirty="0">
+              <a:rPr lang="en-GB" sz="5400" b="1" dirty="0">
                 <a:latin typeface="AR BLANCA" panose="02000000000000000000" pitchFamily="2" charset="0"/>
               </a:rPr>
               <a:t>’</a:t>
             </a:r>
-            <a:endParaRPr lang="fr-FR" sz="6600" b="1" dirty="0" smtClean="0">
+            <a:endParaRPr lang="fr-FR" sz="5400" b="1" dirty="0" smtClean="0">
               <a:effectLst/>
               <a:latin typeface="AR BLANCA" panose="02000000000000000000" pitchFamily="2" charset="0"/>
             </a:endParaRPr>
@@ -3195,30 +3200,24 @@
           <a:p>
             <a:pPr algn="ctr"/>
             <a:r>
-              <a:rPr lang="en-GB" sz="6600" b="1" dirty="0">
-                <a:latin typeface="AR BLANCA" panose="02000000000000000000" pitchFamily="2" charset="0"/>
-              </a:rPr>
-              <a:t>        </a:t>
-            </a:r>
-            <a:r>
-              <a:rPr lang="en-GB" sz="6600" b="1" dirty="0" err="1">
+              <a:rPr lang="en-GB" sz="5400" b="1" dirty="0" err="1" smtClean="0">
                 <a:latin typeface="AR BLANCA" panose="02000000000000000000" pitchFamily="2" charset="0"/>
               </a:rPr>
               <a:t>Andriamanitra</a:t>
             </a:r>
             <a:r>
-              <a:rPr lang="en-GB" sz="6600" b="1" dirty="0">
-                <a:latin typeface="AR BLANCA" panose="02000000000000000000" pitchFamily="2" charset="0"/>
-              </a:rPr>
-              <a:t> </a:t>
-            </a:r>
-            <a:r>
-              <a:rPr lang="en-GB" sz="6600" b="1" dirty="0" err="1">
+              <a:rPr lang="en-GB" sz="5400" b="1" dirty="0" smtClean="0">
+                <a:latin typeface="AR BLANCA" panose="02000000000000000000" pitchFamily="2" charset="0"/>
+              </a:rPr>
+              <a:t> </a:t>
+            </a:r>
+            <a:r>
+              <a:rPr lang="en-GB" sz="5400" b="1" dirty="0" err="1">
                 <a:latin typeface="AR BLANCA" panose="02000000000000000000" pitchFamily="2" charset="0"/>
               </a:rPr>
               <a:t>hotsaraina</a:t>
             </a:r>
-            <a:endParaRPr lang="fr-FR" sz="6600" b="1" dirty="0" smtClean="0">
+            <a:endParaRPr lang="fr-FR" sz="5400" b="1" dirty="0" smtClean="0">
               <a:effectLst/>
               <a:latin typeface="AR BLANCA" panose="02000000000000000000" pitchFamily="2" charset="0"/>
             </a:endParaRPr>
@@ -3226,43 +3225,43 @@
           <a:p>
             <a:pPr algn="ctr"/>
             <a:r>
-              <a:rPr lang="en-GB" sz="6600" b="1" dirty="0">
-                <a:latin typeface="AR BLANCA" panose="02000000000000000000" pitchFamily="2" charset="0"/>
-              </a:rPr>
-              <a:t>   ‘</a:t>
-            </a:r>
-            <a:r>
-              <a:rPr lang="en-GB" sz="6600" b="1" dirty="0" err="1">
+              <a:rPr lang="en-GB" sz="5400" b="1" dirty="0" smtClean="0">
+                <a:latin typeface="AR BLANCA" panose="02000000000000000000" pitchFamily="2" charset="0"/>
+              </a:rPr>
+              <a:t>‘</a:t>
+            </a:r>
+            <a:r>
+              <a:rPr lang="en-GB" sz="5400" b="1" dirty="0" err="1">
                 <a:latin typeface="AR BLANCA" panose="02000000000000000000" pitchFamily="2" charset="0"/>
               </a:rPr>
               <a:t>Zaho</a:t>
             </a:r>
             <a:r>
-              <a:rPr lang="en-GB" sz="6600" b="1" dirty="0">
-                <a:latin typeface="AR BLANCA" panose="02000000000000000000" pitchFamily="2" charset="0"/>
-              </a:rPr>
-              <a:t> </a:t>
-            </a:r>
-            <a:r>
-              <a:rPr lang="en-GB" sz="6600" b="1" dirty="0" err="1">
+              <a:rPr lang="en-GB" sz="5400" b="1" dirty="0">
+                <a:latin typeface="AR BLANCA" panose="02000000000000000000" pitchFamily="2" charset="0"/>
+              </a:rPr>
+              <a:t> </a:t>
+            </a:r>
+            <a:r>
+              <a:rPr lang="en-GB" sz="5400" b="1" dirty="0" err="1">
                 <a:latin typeface="AR BLANCA" panose="02000000000000000000" pitchFamily="2" charset="0"/>
               </a:rPr>
               <a:t>sy</a:t>
             </a:r>
             <a:r>
-              <a:rPr lang="en-GB" sz="6600" b="1" dirty="0">
-                <a:latin typeface="AR BLANCA" panose="02000000000000000000" pitchFamily="2" charset="0"/>
-              </a:rPr>
-              <a:t> </a:t>
-            </a:r>
-            <a:r>
-              <a:rPr lang="en-GB" sz="6600" b="1" dirty="0" err="1">
+              <a:rPr lang="en-GB" sz="5400" b="1" dirty="0">
+                <a:latin typeface="AR BLANCA" panose="02000000000000000000" pitchFamily="2" charset="0"/>
+              </a:rPr>
+              <a:t> </a:t>
+            </a:r>
+            <a:r>
+              <a:rPr lang="en-GB" sz="5400" b="1" dirty="0" err="1">
                 <a:latin typeface="AR BLANCA" panose="02000000000000000000" pitchFamily="2" charset="0"/>
               </a:rPr>
               <a:t>ianao</a:t>
             </a:r>
             <a:r>
-              <a:rPr lang="en-GB" sz="6600" b="1" dirty="0" smtClean="0">
+              <a:rPr lang="en-GB" sz="5400" b="1" dirty="0" smtClean="0">
                 <a:latin typeface="AR BLANCA" panose="02000000000000000000" pitchFamily="2" charset="0"/>
               </a:rPr>
               <a:t>,</a:t>
@@ -3271,60 +3270,54 @@
           <a:p>
             <a:pPr algn="ctr"/>
             <a:r>
-              <a:rPr lang="en-GB" sz="6600" b="1" dirty="0" smtClean="0">
-                <a:latin typeface="AR BLANCA" panose="02000000000000000000" pitchFamily="2" charset="0"/>
-              </a:rPr>
-              <a:t> </a:t>
-            </a:r>
-            <a:r>
-              <a:rPr lang="en-GB" sz="6600" b="1" dirty="0" err="1">
+              <a:rPr lang="en-GB" sz="5400" b="1" dirty="0" err="1" smtClean="0">
                 <a:latin typeface="AR BLANCA" panose="02000000000000000000" pitchFamily="2" charset="0"/>
               </a:rPr>
               <a:t>ka</a:t>
             </a:r>
             <a:r>
-              <a:rPr lang="en-GB" sz="6600" b="1" dirty="0">
-                <a:latin typeface="AR BLANCA" panose="02000000000000000000" pitchFamily="2" charset="0"/>
-              </a:rPr>
-              <a:t> </a:t>
-            </a:r>
-            <a:r>
-              <a:rPr lang="en-GB" sz="6600" b="1" dirty="0" err="1">
+              <a:rPr lang="en-GB" sz="5400" b="1" dirty="0" smtClean="0">
+                <a:latin typeface="AR BLANCA" panose="02000000000000000000" pitchFamily="2" charset="0"/>
+              </a:rPr>
+              <a:t> </a:t>
+            </a:r>
+            <a:r>
+              <a:rPr lang="en-GB" sz="5400" b="1" dirty="0" err="1">
                 <a:latin typeface="AR BLANCA" panose="02000000000000000000" pitchFamily="2" charset="0"/>
               </a:rPr>
               <a:t>tsy</a:t>
             </a:r>
             <a:r>
-              <a:rPr lang="en-GB" sz="6600" b="1" dirty="0">
-                <a:latin typeface="AR BLANCA" panose="02000000000000000000" pitchFamily="2" charset="0"/>
-              </a:rPr>
-              <a:t> </a:t>
-            </a:r>
-            <a:r>
-              <a:rPr lang="en-GB" sz="6600" b="1" dirty="0" err="1" smtClean="0">
+              <a:rPr lang="en-GB" sz="5400" b="1" dirty="0">
+                <a:latin typeface="AR BLANCA" panose="02000000000000000000" pitchFamily="2" charset="0"/>
+              </a:rPr>
+              <a:t> </a:t>
+            </a:r>
+            <a:r>
+              <a:rPr lang="en-GB" sz="5400" b="1" dirty="0" err="1" smtClean="0">
                 <a:latin typeface="AR BLANCA" panose="02000000000000000000" pitchFamily="2" charset="0"/>
               </a:rPr>
               <a:t>ho</a:t>
             </a:r>
             <a:r>
-              <a:rPr lang="en-GB" sz="6600" b="1" dirty="0" smtClean="0">
-                <a:latin typeface="AR BLANCA" panose="02000000000000000000" pitchFamily="2" charset="0"/>
-              </a:rPr>
-              <a:t> </a:t>
-            </a:r>
-            <a:r>
-              <a:rPr lang="en-GB" sz="6600" b="1" dirty="0" err="1">
+              <a:rPr lang="en-GB" sz="5400" b="1" dirty="0" smtClean="0">
+                <a:latin typeface="AR BLANCA" panose="02000000000000000000" pitchFamily="2" charset="0"/>
+              </a:rPr>
+              <a:t> </a:t>
+            </a:r>
+            <a:r>
+              <a:rPr lang="en-GB" sz="5400" b="1" dirty="0" err="1">
                 <a:latin typeface="AR BLANCA" panose="02000000000000000000" pitchFamily="2" charset="0"/>
               </a:rPr>
               <a:t>afa-maina</a:t>
             </a:r>
             <a:r>
-              <a:rPr lang="en-GB" sz="6600" b="1" dirty="0">
+              <a:rPr lang="en-GB" sz="5400" b="1" dirty="0">
                 <a:latin typeface="AR BLANCA" panose="02000000000000000000" pitchFamily="2" charset="0"/>
               </a:rPr>
               <a:t> ;</a:t>
             </a:r>
-            <a:endParaRPr lang="fr-FR" sz="6600" b="1" dirty="0" smtClean="0">
+            <a:endParaRPr lang="fr-FR" sz="5400" b="1" dirty="0" smtClean="0">
               <a:effectLst/>
               <a:latin typeface="AR BLANCA" panose="02000000000000000000" pitchFamily="2" charset="0"/>
             </a:endParaRPr>
@@ -3332,54 +3325,48 @@
           <a:p>
             <a:pPr algn="ctr"/>
             <a:r>
-              <a:rPr lang="en-GB" sz="6600" b="1" dirty="0">
-                <a:latin typeface="AR BLANCA" panose="02000000000000000000" pitchFamily="2" charset="0"/>
-              </a:rPr>
-              <a:t>   </a:t>
-            </a:r>
-            <a:r>
-              <a:rPr lang="en-GB" sz="6600" b="1" dirty="0" err="1">
+              <a:rPr lang="en-GB" sz="5400" b="1" dirty="0" err="1" smtClean="0">
                 <a:latin typeface="AR BLANCA" panose="02000000000000000000" pitchFamily="2" charset="0"/>
               </a:rPr>
               <a:t>Fa</a:t>
             </a:r>
             <a:r>
-              <a:rPr lang="en-GB" sz="6600" b="1" dirty="0">
-                <a:latin typeface="AR BLANCA" panose="02000000000000000000" pitchFamily="2" charset="0"/>
-              </a:rPr>
-              <a:t> </a:t>
-            </a:r>
-            <a:r>
-              <a:rPr lang="en-GB" sz="6600" b="1" dirty="0" err="1">
+              <a:rPr lang="en-GB" sz="5400" b="1" dirty="0" smtClean="0">
+                <a:latin typeface="AR BLANCA" panose="02000000000000000000" pitchFamily="2" charset="0"/>
+              </a:rPr>
+              <a:t> </a:t>
+            </a:r>
+            <a:r>
+              <a:rPr lang="en-GB" sz="5400" b="1" dirty="0" err="1">
                 <a:latin typeface="AR BLANCA" panose="02000000000000000000" pitchFamily="2" charset="0"/>
               </a:rPr>
               <a:t>Jesoa</a:t>
             </a:r>
             <a:r>
-              <a:rPr lang="en-GB" sz="6600" b="1" dirty="0">
-                <a:latin typeface="AR BLANCA" panose="02000000000000000000" pitchFamily="2" charset="0"/>
-              </a:rPr>
-              <a:t> </a:t>
-            </a:r>
-            <a:r>
-              <a:rPr lang="en-GB" sz="6600" b="1" dirty="0" err="1">
+              <a:rPr lang="en-GB" sz="5400" b="1" dirty="0">
+                <a:latin typeface="AR BLANCA" panose="02000000000000000000" pitchFamily="2" charset="0"/>
+              </a:rPr>
+              <a:t> </a:t>
+            </a:r>
+            <a:r>
+              <a:rPr lang="en-GB" sz="5400" b="1" dirty="0" err="1">
                 <a:latin typeface="AR BLANCA" panose="02000000000000000000" pitchFamily="2" charset="0"/>
               </a:rPr>
               <a:t>Mpanjaka</a:t>
             </a:r>
             <a:r>
-              <a:rPr lang="en-GB" sz="6600" b="1" dirty="0">
+              <a:rPr lang="en-GB" sz="5400" b="1" dirty="0">
                 <a:latin typeface="AR BLANCA" panose="02000000000000000000" pitchFamily="2" charset="0"/>
               </a:rPr>
               <a:t> no </a:t>
             </a:r>
             <a:r>
-              <a:rPr lang="en-GB" sz="6600" b="1" dirty="0" err="1">
+              <a:rPr lang="en-GB" sz="5400" b="1" dirty="0" err="1">
                 <a:latin typeface="AR BLANCA" panose="02000000000000000000" pitchFamily="2" charset="0"/>
               </a:rPr>
               <a:t>hitsara</a:t>
             </a:r>
-            <a:endParaRPr lang="fr-FR" sz="6600" b="1" dirty="0" smtClean="0">
+            <a:endParaRPr lang="fr-FR" sz="5400" b="1" dirty="0" smtClean="0">
               <a:effectLst/>
               <a:latin typeface="AR BLANCA" panose="02000000000000000000" pitchFamily="2" charset="0"/>
             </a:endParaRPr>
@@ -3387,96 +3374,90 @@
           <a:p>
             <a:pPr algn="ctr"/>
             <a:r>
-              <a:rPr lang="en-GB" sz="6600" b="1" dirty="0">
-                <a:latin typeface="AR BLANCA" panose="02000000000000000000" pitchFamily="2" charset="0"/>
-              </a:rPr>
-              <a:t> </a:t>
-            </a:r>
-            <a:r>
-              <a:rPr lang="en-GB" sz="6600" b="1" dirty="0" smtClean="0">
-                <a:latin typeface="AR BLANCA" panose="02000000000000000000" pitchFamily="2" charset="0"/>
-              </a:rPr>
-              <a:t> </a:t>
-            </a:r>
-            <a:r>
-              <a:rPr lang="en-GB" sz="6600" b="1" dirty="0" err="1">
+              <a:rPr lang="en-GB" sz="5400" b="1" dirty="0" err="1" smtClean="0">
                 <a:latin typeface="AR BLANCA" panose="02000000000000000000" pitchFamily="2" charset="0"/>
               </a:rPr>
               <a:t>Ka</a:t>
             </a:r>
             <a:r>
-              <a:rPr lang="en-GB" sz="6600" b="1" dirty="0">
-                <a:latin typeface="AR BLANCA" panose="02000000000000000000" pitchFamily="2" charset="0"/>
-              </a:rPr>
-              <a:t> </a:t>
-            </a:r>
-            <a:r>
-              <a:rPr lang="en-GB" sz="6600" b="1" dirty="0" err="1">
+              <a:rPr lang="en-GB" sz="5400" b="1" dirty="0" smtClean="0">
+                <a:latin typeface="AR BLANCA" panose="02000000000000000000" pitchFamily="2" charset="0"/>
+              </a:rPr>
+              <a:t> </a:t>
+            </a:r>
+            <a:r>
+              <a:rPr lang="en-GB" sz="5400" b="1" dirty="0" err="1">
                 <a:latin typeface="AR BLANCA" panose="02000000000000000000" pitchFamily="2" charset="0"/>
               </a:rPr>
               <a:t>hanavaka</a:t>
             </a:r>
             <a:r>
-              <a:rPr lang="en-GB" sz="6600" b="1" dirty="0">
-                <a:latin typeface="AR BLANCA" panose="02000000000000000000" pitchFamily="2" charset="0"/>
-              </a:rPr>
-              <a:t> </a:t>
-            </a:r>
-            <a:r>
-              <a:rPr lang="en-GB" sz="6600" b="1" dirty="0" err="1">
+              <a:rPr lang="en-GB" sz="5400" b="1" dirty="0">
+                <a:latin typeface="AR BLANCA" panose="02000000000000000000" pitchFamily="2" charset="0"/>
+              </a:rPr>
+              <a:t> </a:t>
+            </a:r>
+            <a:r>
+              <a:rPr lang="en-GB" sz="5400" b="1" dirty="0" err="1">
                 <a:latin typeface="AR BLANCA" panose="02000000000000000000" pitchFamily="2" charset="0"/>
               </a:rPr>
               <a:t>ny</a:t>
             </a:r>
             <a:r>
-              <a:rPr lang="en-GB" sz="6600" b="1" dirty="0">
-                <a:latin typeface="AR BLANCA" panose="02000000000000000000" pitchFamily="2" charset="0"/>
-              </a:rPr>
-              <a:t> </a:t>
-            </a:r>
-            <a:r>
-              <a:rPr lang="en-GB" sz="6600" b="1" dirty="0" err="1" smtClean="0">
+              <a:rPr lang="en-GB" sz="5400" b="1" dirty="0">
+                <a:latin typeface="AR BLANCA" panose="02000000000000000000" pitchFamily="2" charset="0"/>
+              </a:rPr>
+              <a:t> </a:t>
+            </a:r>
+            <a:r>
+              <a:rPr lang="en-GB" sz="5400" b="1" dirty="0" err="1" smtClean="0">
                 <a:latin typeface="AR BLANCA" panose="02000000000000000000" pitchFamily="2" charset="0"/>
               </a:rPr>
               <a:t>tsara</a:t>
             </a:r>
             <a:r>
-              <a:rPr lang="en-GB" sz="6600" b="1" dirty="0" smtClean="0">
-                <a:latin typeface="AR BLANCA" panose="02000000000000000000" pitchFamily="2" charset="0"/>
-              </a:rPr>
-              <a:t> </a:t>
-            </a:r>
-            <a:r>
-              <a:rPr lang="en-GB" sz="6600" b="1" dirty="0" err="1" smtClean="0">
+              <a:rPr lang="en-GB" sz="5400" b="1" dirty="0" smtClean="0">
+                <a:latin typeface="AR BLANCA" panose="02000000000000000000" pitchFamily="2" charset="0"/>
+              </a:rPr>
+              <a:t> </a:t>
+            </a:r>
+            <a:endParaRPr lang="en-GB" sz="5400" b="1" dirty="0" smtClean="0">
+              <a:latin typeface="AR BLANCA" panose="02000000000000000000" pitchFamily="2" charset="0"/>
+            </a:endParaRPr>
+          </a:p>
+          <a:p>
+            <a:pPr algn="ctr"/>
+            <a:r>
+              <a:rPr lang="en-GB" sz="5400" b="1" dirty="0" err="1" smtClean="0">
                 <a:latin typeface="AR BLANCA" panose="02000000000000000000" pitchFamily="2" charset="0"/>
               </a:rPr>
               <a:t>sy</a:t>
             </a:r>
             <a:r>
-              <a:rPr lang="en-GB" sz="6600" b="1" dirty="0" smtClean="0">
-                <a:latin typeface="AR BLANCA" panose="02000000000000000000" pitchFamily="2" charset="0"/>
-              </a:rPr>
-              <a:t> </a:t>
-            </a:r>
-            <a:r>
-              <a:rPr lang="en-GB" sz="6600" b="1" dirty="0" err="1" smtClean="0">
+              <a:rPr lang="en-GB" sz="5400" b="1" dirty="0" smtClean="0">
+                <a:latin typeface="AR BLANCA" panose="02000000000000000000" pitchFamily="2" charset="0"/>
+              </a:rPr>
+              <a:t> </a:t>
+            </a:r>
+            <a:r>
+              <a:rPr lang="en-GB" sz="5400" b="1" dirty="0" err="1" smtClean="0">
                 <a:latin typeface="AR BLANCA" panose="02000000000000000000" pitchFamily="2" charset="0"/>
               </a:rPr>
               <a:t>ny</a:t>
             </a:r>
             <a:r>
-              <a:rPr lang="en-GB" sz="6600" b="1" dirty="0" smtClean="0">
-                <a:latin typeface="AR BLANCA" panose="02000000000000000000" pitchFamily="2" charset="0"/>
-              </a:rPr>
-              <a:t> </a:t>
-            </a:r>
-            <a:r>
-              <a:rPr lang="en-GB" sz="6600" b="1" dirty="0" err="1" smtClean="0">
+              <a:rPr lang="en-GB" sz="5400" b="1" dirty="0" smtClean="0">
+                <a:latin typeface="AR BLANCA" panose="02000000000000000000" pitchFamily="2" charset="0"/>
+              </a:rPr>
+              <a:t> </a:t>
+            </a:r>
+            <a:r>
+              <a:rPr lang="en-GB" sz="5400" b="1" dirty="0" err="1" smtClean="0">
                 <a:latin typeface="AR BLANCA" panose="02000000000000000000" pitchFamily="2" charset="0"/>
               </a:rPr>
               <a:t>ratsy</a:t>
             </a:r>
-            <a:endParaRPr lang="fr-FR" dirty="0"/>
+            <a:endParaRPr lang="fr-FR" sz="1400" dirty="0"/>
           </a:p>
         </p:txBody>
       </p:sp>
@@ -3535,63 +3516,91 @@
             <a:pPr algn="ctr"/>
             <a:r>
               <a:rPr lang="en-GB" sz="9600" b="1" dirty="0" err="1">
-                <a:solidFill>
-                  <a:schemeClr val="accent5"/>
-                </a:solidFill>
+                <a:effectLst>
+                  <a:outerShdw blurRad="38100" dist="38100" dir="2700000" algn="tl">
+                    <a:srgbClr val="000000">
+                      <a:alpha val="43137"/>
+                    </a:srgbClr>
+                  </a:outerShdw>
+                </a:effectLst>
                 <a:latin typeface="French Script MT" panose="03020402040607040605" pitchFamily="66" charset="0"/>
               </a:rPr>
               <a:t>Raha</a:t>
             </a:r>
             <a:r>
               <a:rPr lang="en-GB" sz="9600" b="1" dirty="0">
-                <a:solidFill>
-                  <a:schemeClr val="accent5"/>
-                </a:solidFill>
+                <a:effectLst>
+                  <a:outerShdw blurRad="38100" dist="38100" dir="2700000" algn="tl">
+                    <a:srgbClr val="000000">
+                      <a:alpha val="43137"/>
+                    </a:srgbClr>
+                  </a:outerShdw>
+                </a:effectLst>
                 <a:latin typeface="French Script MT" panose="03020402040607040605" pitchFamily="66" charset="0"/>
               </a:rPr>
               <a:t> </a:t>
             </a:r>
             <a:r>
               <a:rPr lang="en-GB" sz="9600" b="1" dirty="0" err="1">
-                <a:solidFill>
-                  <a:schemeClr val="accent5"/>
-                </a:solidFill>
+                <a:effectLst>
+                  <a:outerShdw blurRad="38100" dist="38100" dir="2700000" algn="tl">
+                    <a:srgbClr val="000000">
+                      <a:alpha val="43137"/>
+                    </a:srgbClr>
+                  </a:outerShdw>
+                </a:effectLst>
                 <a:latin typeface="French Script MT" panose="03020402040607040605" pitchFamily="66" charset="0"/>
               </a:rPr>
               <a:t>eto</a:t>
             </a:r>
             <a:r>
               <a:rPr lang="en-GB" sz="9600" b="1" dirty="0">
-                <a:solidFill>
-                  <a:schemeClr val="accent5"/>
-                </a:solidFill>
+                <a:effectLst>
+                  <a:outerShdw blurRad="38100" dist="38100" dir="2700000" algn="tl">
+                    <a:srgbClr val="000000">
+                      <a:alpha val="43137"/>
+                    </a:srgbClr>
+                  </a:outerShdw>
+                </a:effectLst>
                 <a:latin typeface="French Script MT" panose="03020402040607040605" pitchFamily="66" charset="0"/>
               </a:rPr>
               <a:t> </a:t>
             </a:r>
             <a:r>
               <a:rPr lang="en-GB" sz="9600" b="1" dirty="0" smtClean="0">
-                <a:solidFill>
-                  <a:schemeClr val="accent5"/>
-                </a:solidFill>
+                <a:effectLst>
+                  <a:outerShdw blurRad="38100" dist="38100" dir="2700000" algn="tl">
+                    <a:srgbClr val="000000">
+                      <a:alpha val="43137"/>
+                    </a:srgbClr>
+                  </a:outerShdw>
+                </a:effectLst>
                 <a:latin typeface="French Script MT" panose="03020402040607040605" pitchFamily="66" charset="0"/>
               </a:rPr>
               <a:t>an-</a:t>
             </a:r>
             <a:r>
               <a:rPr lang="en-GB" sz="9600" b="1" dirty="0" err="1" smtClean="0">
-                <a:solidFill>
-                  <a:schemeClr val="accent5"/>
-                </a:solidFill>
+                <a:effectLst>
+                  <a:outerShdw blurRad="38100" dist="38100" dir="2700000" algn="tl">
+                    <a:srgbClr val="000000">
+                      <a:alpha val="43137"/>
+                    </a:srgbClr>
+                  </a:outerShdw>
+                </a:effectLst>
                 <a:latin typeface="French Script MT" panose="03020402040607040605" pitchFamily="66" charset="0"/>
               </a:rPr>
               <a:t>tany</a:t>
             </a:r>
             <a:r>
               <a:rPr lang="en-GB" sz="9600" b="1" dirty="0" smtClean="0">
-                <a:solidFill>
-                  <a:schemeClr val="accent5"/>
-                </a:solidFill>
+                <a:effectLst>
+                  <a:outerShdw blurRad="38100" dist="38100" dir="2700000" algn="tl">
+                    <a:srgbClr val="000000">
+                      <a:alpha val="43137"/>
+                    </a:srgbClr>
+                  </a:outerShdw>
+                </a:effectLst>
                 <a:latin typeface="French Script MT" panose="03020402040607040605" pitchFamily="66" charset="0"/>
               </a:rPr>
               <a:t> </a:t>
@@ -3601,54 +3610,77 @@
             <a:pPr algn="ctr"/>
             <a:r>
               <a:rPr lang="en-GB" sz="9600" b="1" dirty="0" err="1" smtClean="0">
-                <a:solidFill>
-                  <a:schemeClr val="accent5"/>
-                </a:solidFill>
+                <a:effectLst>
+                  <a:outerShdw blurRad="38100" dist="38100" dir="2700000" algn="tl">
+                    <a:srgbClr val="000000">
+                      <a:alpha val="43137"/>
+                    </a:srgbClr>
+                  </a:outerShdw>
+                </a:effectLst>
                 <a:latin typeface="French Script MT" panose="03020402040607040605" pitchFamily="66" charset="0"/>
               </a:rPr>
               <a:t>dia</a:t>
             </a:r>
             <a:r>
               <a:rPr lang="en-GB" sz="9600" b="1" dirty="0" smtClean="0">
-                <a:solidFill>
-                  <a:schemeClr val="accent5"/>
-                </a:solidFill>
+                <a:effectLst>
+                  <a:outerShdw blurRad="38100" dist="38100" dir="2700000" algn="tl">
+                    <a:srgbClr val="000000">
+                      <a:alpha val="43137"/>
+                    </a:srgbClr>
+                  </a:outerShdw>
+                </a:effectLst>
                 <a:latin typeface="French Script MT" panose="03020402040607040605" pitchFamily="66" charset="0"/>
               </a:rPr>
               <a:t> </a:t>
             </a:r>
             <a:r>
               <a:rPr lang="en-GB" sz="9600" b="1" dirty="0" err="1" smtClean="0">
-                <a:solidFill>
-                  <a:schemeClr val="accent5"/>
-                </a:solidFill>
+                <a:effectLst>
+                  <a:outerShdw blurRad="38100" dist="38100" dir="2700000" algn="tl">
+                    <a:srgbClr val="000000">
+                      <a:alpha val="43137"/>
+                    </a:srgbClr>
+                  </a:outerShdw>
+                </a:effectLst>
                 <a:latin typeface="French Script MT" panose="03020402040607040605" pitchFamily="66" charset="0"/>
               </a:rPr>
               <a:t>mandalo</a:t>
             </a:r>
             <a:r>
               <a:rPr lang="en-GB" sz="9600" b="1" dirty="0" smtClean="0">
-                <a:solidFill>
-                  <a:schemeClr val="accent5"/>
-                </a:solidFill>
+                <a:effectLst>
+                  <a:outerShdw blurRad="38100" dist="38100" dir="2700000" algn="tl">
+                    <a:srgbClr val="000000">
+                      <a:alpha val="43137"/>
+                    </a:srgbClr>
+                  </a:outerShdw>
+                </a:effectLst>
                 <a:latin typeface="French Script MT" panose="03020402040607040605" pitchFamily="66" charset="0"/>
               </a:rPr>
               <a:t> </a:t>
             </a:r>
             <a:r>
               <a:rPr lang="en-GB" sz="9600" b="1" dirty="0" err="1">
-                <a:solidFill>
-                  <a:schemeClr val="accent5"/>
-                </a:solidFill>
+                <a:effectLst>
+                  <a:outerShdw blurRad="38100" dist="38100" dir="2700000" algn="tl">
+                    <a:srgbClr val="000000">
+                      <a:alpha val="43137"/>
+                    </a:srgbClr>
+                  </a:outerShdw>
+                </a:effectLst>
                 <a:latin typeface="French Script MT" panose="03020402040607040605" pitchFamily="66" charset="0"/>
               </a:rPr>
               <a:t>ihany</a:t>
             </a:r>
             <a:endParaRPr lang="fr-FR" sz="9600" b="1" dirty="0" smtClean="0">
-              <a:solidFill>
-                <a:schemeClr val="accent5"/>
-              </a:solidFill>
-              <a:effectLst/>
+              <a:effectLst>
+                <a:outerShdw blurRad="38100" dist="38100" dir="2700000" algn="tl">
+                  <a:srgbClr val="000000">
+                    <a:alpha val="43137"/>
+                  </a:srgbClr>
+                </a:outerShdw>
+              </a:effectLst>
               <a:latin typeface="French Script MT" panose="03020402040607040605" pitchFamily="66" charset="0"/>
             </a:endParaRPr>
           </a:p>
@@ -3656,18 +3688,26 @@
             <a:pPr algn="ctr"/>
             <a:r>
               <a:rPr lang="en-GB" sz="9600" b="1" dirty="0" err="1" smtClean="0">
-                <a:solidFill>
-                  <a:schemeClr val="accent5"/>
-                </a:solidFill>
+                <a:effectLst>
+                  <a:outerShdw blurRad="38100" dist="38100" dir="2700000" algn="tl">
+                    <a:srgbClr val="000000">
+                      <a:alpha val="43137"/>
+                    </a:srgbClr>
+                  </a:outerShdw>
+                </a:effectLst>
                 <a:latin typeface="French Script MT" panose="03020402040607040605" pitchFamily="66" charset="0"/>
               </a:rPr>
               <a:t>Miovaova</a:t>
             </a:r>
             <a:r>
               <a:rPr lang="en-GB" sz="9600" b="1" dirty="0" smtClean="0">
-                <a:solidFill>
-                  <a:schemeClr val="accent5"/>
-                </a:solidFill>
+                <a:effectLst>
+                  <a:outerShdw blurRad="38100" dist="38100" dir="2700000" algn="tl">
+                    <a:srgbClr val="000000">
+                      <a:alpha val="43137"/>
+                    </a:srgbClr>
+                  </a:outerShdw>
+                </a:effectLst>
                 <a:latin typeface="French Script MT" panose="03020402040607040605" pitchFamily="66" charset="0"/>
               </a:rPr>
               <a:t> </a:t>
@@ -3677,62 +3717,90 @@
             <a:pPr algn="ctr"/>
             <a:r>
               <a:rPr lang="en-GB" sz="9600" b="1" dirty="0" err="1" smtClean="0">
-                <a:solidFill>
-                  <a:schemeClr val="accent5"/>
-                </a:solidFill>
+                <a:effectLst>
+                  <a:outerShdw blurRad="38100" dist="38100" dir="2700000" algn="tl">
+                    <a:srgbClr val="000000">
+                      <a:alpha val="43137"/>
+                    </a:srgbClr>
+                  </a:outerShdw>
+                </a:effectLst>
                 <a:latin typeface="French Script MT" panose="03020402040607040605" pitchFamily="66" charset="0"/>
               </a:rPr>
               <a:t>Tsy</a:t>
             </a:r>
             <a:r>
               <a:rPr lang="en-GB" sz="9600" b="1" dirty="0" smtClean="0">
-                <a:solidFill>
-                  <a:schemeClr val="accent5"/>
-                </a:solidFill>
+                <a:effectLst>
+                  <a:outerShdw blurRad="38100" dist="38100" dir="2700000" algn="tl">
+                    <a:srgbClr val="000000">
+                      <a:alpha val="43137"/>
+                    </a:srgbClr>
+                  </a:outerShdw>
+                </a:effectLst>
                 <a:latin typeface="French Script MT" panose="03020402040607040605" pitchFamily="66" charset="0"/>
               </a:rPr>
               <a:t> </a:t>
             </a:r>
             <a:r>
               <a:rPr lang="en-GB" sz="9600" b="1" dirty="0" err="1" smtClean="0">
-                <a:solidFill>
-                  <a:schemeClr val="accent5"/>
-                </a:solidFill>
+                <a:effectLst>
+                  <a:outerShdw blurRad="38100" dist="38100" dir="2700000" algn="tl">
+                    <a:srgbClr val="000000">
+                      <a:alpha val="43137"/>
+                    </a:srgbClr>
+                  </a:outerShdw>
+                </a:effectLst>
                 <a:latin typeface="French Script MT" panose="03020402040607040605" pitchFamily="66" charset="0"/>
               </a:rPr>
               <a:t>azo</a:t>
             </a:r>
             <a:r>
               <a:rPr lang="en-GB" sz="9600" b="1" dirty="0" smtClean="0">
-                <a:solidFill>
-                  <a:schemeClr val="accent5"/>
-                </a:solidFill>
+                <a:effectLst>
+                  <a:outerShdw blurRad="38100" dist="38100" dir="2700000" algn="tl">
+                    <a:srgbClr val="000000">
+                      <a:alpha val="43137"/>
+                    </a:srgbClr>
+                  </a:outerShdw>
+                </a:effectLst>
                 <a:latin typeface="French Script MT" panose="03020402040607040605" pitchFamily="66" charset="0"/>
               </a:rPr>
               <a:t> </a:t>
             </a:r>
             <a:r>
               <a:rPr lang="en-GB" sz="9600" b="1" dirty="0" err="1" smtClean="0">
-                <a:solidFill>
-                  <a:schemeClr val="accent5"/>
-                </a:solidFill>
+                <a:effectLst>
+                  <a:outerShdw blurRad="38100" dist="38100" dir="2700000" algn="tl">
+                    <a:srgbClr val="000000">
+                      <a:alpha val="43137"/>
+                    </a:srgbClr>
+                  </a:outerShdw>
+                </a:effectLst>
                 <a:latin typeface="French Script MT" panose="03020402040607040605" pitchFamily="66" charset="0"/>
               </a:rPr>
               <a:t>ianteherana</a:t>
             </a:r>
             <a:r>
               <a:rPr lang="en-GB" sz="9600" b="1" dirty="0" smtClean="0">
-                <a:solidFill>
-                  <a:schemeClr val="accent5"/>
-                </a:solidFill>
+                <a:effectLst>
+                  <a:outerShdw blurRad="38100" dist="38100" dir="2700000" algn="tl">
+                    <a:srgbClr val="000000">
+                      <a:alpha val="43137"/>
+                    </a:srgbClr>
+                  </a:outerShdw>
+                </a:effectLst>
                 <a:latin typeface="French Script MT" panose="03020402040607040605" pitchFamily="66" charset="0"/>
               </a:rPr>
               <a:t>,</a:t>
             </a:r>
             <a:endParaRPr lang="fr-FR" sz="9600" b="1" dirty="0">
-              <a:solidFill>
-                <a:schemeClr val="accent5"/>
-              </a:solidFill>
+              <a:effectLst>
+                <a:outerShdw blurRad="38100" dist="38100" dir="2700000" algn="tl">
+                  <a:srgbClr val="000000">
+                    <a:alpha val="43137"/>
+                  </a:srgbClr>
+                </a:outerShdw>
+              </a:effectLst>
               <a:latin typeface="French Script MT" panose="03020402040607040605" pitchFamily="66" charset="0"/>
             </a:endParaRPr>
           </a:p>
@@ -3776,7 +3844,7 @@
         </p:nvSpPr>
         <p:spPr>
           <a:xfrm>
-            <a:off x="0" y="0"/>
+            <a:off x="0" y="109184"/>
             <a:ext cx="11167241" cy="6001643"/>
           </a:xfrm>
           <a:prstGeom prst="rect">
@@ -3793,44 +3861,64 @@
             <a:pPr algn="ctr"/>
             <a:r>
               <a:rPr lang="en-GB" sz="9600" b="1" dirty="0" smtClean="0">
-                <a:solidFill>
-                  <a:schemeClr val="accent5"/>
-                </a:solidFill>
+                <a:effectLst>
+                  <a:outerShdw blurRad="38100" dist="38100" dir="2700000" algn="tl">
+                    <a:srgbClr val="000000">
+                      <a:alpha val="43137"/>
+                    </a:srgbClr>
+                  </a:outerShdw>
+                </a:effectLst>
                 <a:latin typeface="French Script MT" panose="03020402040607040605" pitchFamily="66" charset="0"/>
               </a:rPr>
               <a:t>Be no </a:t>
             </a:r>
             <a:r>
               <a:rPr lang="en-GB" sz="9600" b="1" dirty="0" err="1" smtClean="0">
-                <a:solidFill>
-                  <a:schemeClr val="accent5"/>
-                </a:solidFill>
+                <a:effectLst>
+                  <a:outerShdw blurRad="38100" dist="38100" dir="2700000" algn="tl">
+                    <a:srgbClr val="000000">
+                      <a:alpha val="43137"/>
+                    </a:srgbClr>
+                  </a:outerShdw>
+                </a:effectLst>
                 <a:latin typeface="French Script MT" panose="03020402040607040605" pitchFamily="66" charset="0"/>
               </a:rPr>
               <a:t>efa</a:t>
             </a:r>
             <a:r>
               <a:rPr lang="en-GB" sz="9600" b="1" dirty="0" smtClean="0">
-                <a:solidFill>
-                  <a:schemeClr val="accent5"/>
-                </a:solidFill>
+                <a:effectLst>
+                  <a:outerShdw blurRad="38100" dist="38100" dir="2700000" algn="tl">
+                    <a:srgbClr val="000000">
+                      <a:alpha val="43137"/>
+                    </a:srgbClr>
+                  </a:outerShdw>
+                </a:effectLst>
                 <a:latin typeface="French Script MT" panose="03020402040607040605" pitchFamily="66" charset="0"/>
               </a:rPr>
               <a:t> </a:t>
             </a:r>
             <a:r>
               <a:rPr lang="en-GB" sz="9600" b="1" dirty="0" err="1" smtClean="0">
-                <a:solidFill>
-                  <a:schemeClr val="accent5"/>
-                </a:solidFill>
+                <a:effectLst>
+                  <a:outerShdw blurRad="38100" dist="38100" dir="2700000" algn="tl">
+                    <a:srgbClr val="000000">
+                      <a:alpha val="43137"/>
+                    </a:srgbClr>
+                  </a:outerShdw>
+                </a:effectLst>
                 <a:latin typeface="French Script MT" panose="03020402040607040605" pitchFamily="66" charset="0"/>
               </a:rPr>
               <a:t>voa</a:t>
             </a:r>
             <a:endParaRPr lang="en-GB" sz="9600" b="1" dirty="0" smtClean="0">
-              <a:solidFill>
-                <a:schemeClr val="accent5"/>
-              </a:solidFill>
+              <a:effectLst>
+                <a:outerShdw blurRad="38100" dist="38100" dir="2700000" algn="tl">
+                  <a:srgbClr val="000000">
+                    <a:alpha val="43137"/>
+                  </a:srgbClr>
+                </a:outerShdw>
+              </a:effectLst>
               <a:latin typeface="French Script MT" panose="03020402040607040605" pitchFamily="66" charset="0"/>
             </a:endParaRPr>
           </a:p>
@@ -3838,63 +3926,90 @@
             <a:pPr algn="ctr"/>
             <a:r>
               <a:rPr lang="en-GB" sz="9600" b="1" dirty="0" smtClean="0">
-                <a:solidFill>
-                  <a:schemeClr val="accent5"/>
-                </a:solidFill>
+                <a:effectLst>
+                  <a:outerShdw blurRad="38100" dist="38100" dir="2700000" algn="tl">
+                    <a:srgbClr val="000000">
+                      <a:alpha val="43137"/>
+                    </a:srgbClr>
+                  </a:outerShdw>
+                </a:effectLst>
                 <a:latin typeface="French Script MT" panose="03020402040607040605" pitchFamily="66" charset="0"/>
               </a:rPr>
               <a:t> </a:t>
             </a:r>
             <a:r>
               <a:rPr lang="en-GB" sz="9600" b="1" dirty="0" err="1" smtClean="0">
-                <a:solidFill>
-                  <a:schemeClr val="accent5"/>
-                </a:solidFill>
+                <a:effectLst>
+                  <a:outerShdw blurRad="38100" dist="38100" dir="2700000" algn="tl">
+                    <a:srgbClr val="000000">
+                      <a:alpha val="43137"/>
+                    </a:srgbClr>
+                  </a:outerShdw>
+                </a:effectLst>
                 <a:latin typeface="French Script MT" panose="03020402040607040605" pitchFamily="66" charset="0"/>
               </a:rPr>
               <a:t>ka</a:t>
             </a:r>
             <a:r>
               <a:rPr lang="en-GB" sz="9600" b="1" dirty="0" smtClean="0">
-                <a:solidFill>
-                  <a:schemeClr val="accent5"/>
-                </a:solidFill>
+                <a:effectLst>
+                  <a:outerShdw blurRad="38100" dist="38100" dir="2700000" algn="tl">
+                    <a:srgbClr val="000000">
+                      <a:alpha val="43137"/>
+                    </a:srgbClr>
+                  </a:outerShdw>
+                </a:effectLst>
                 <a:latin typeface="French Script MT" panose="03020402040607040605" pitchFamily="66" charset="0"/>
               </a:rPr>
               <a:t> </a:t>
             </a:r>
             <a:r>
               <a:rPr lang="en-GB" sz="9600" b="1" dirty="0" err="1" smtClean="0">
-                <a:solidFill>
-                  <a:schemeClr val="accent5"/>
-                </a:solidFill>
+                <a:effectLst>
+                  <a:outerShdw blurRad="38100" dist="38100" dir="2700000" algn="tl">
+                    <a:srgbClr val="000000">
+                      <a:alpha val="43137"/>
+                    </a:srgbClr>
+                  </a:outerShdw>
+                </a:effectLst>
                 <a:latin typeface="French Script MT" panose="03020402040607040605" pitchFamily="66" charset="0"/>
               </a:rPr>
               <a:t>mamoy</a:t>
             </a:r>
             <a:r>
               <a:rPr lang="en-GB" sz="9600" b="1" dirty="0" smtClean="0">
-                <a:solidFill>
-                  <a:schemeClr val="accent5"/>
-                </a:solidFill>
+                <a:effectLst>
+                  <a:outerShdw blurRad="38100" dist="38100" dir="2700000" algn="tl">
+                    <a:srgbClr val="000000">
+                      <a:alpha val="43137"/>
+                    </a:srgbClr>
+                  </a:outerShdw>
+                </a:effectLst>
                 <a:latin typeface="French Script MT" panose="03020402040607040605" pitchFamily="66" charset="0"/>
               </a:rPr>
               <a:t> </a:t>
             </a:r>
             <a:r>
               <a:rPr lang="en-GB" sz="9600" b="1" dirty="0" err="1" smtClean="0">
-                <a:solidFill>
-                  <a:schemeClr val="accent5"/>
-                </a:solidFill>
+                <a:effectLst>
+                  <a:outerShdw blurRad="38100" dist="38100" dir="2700000" algn="tl">
+                    <a:srgbClr val="000000">
+                      <a:alpha val="43137"/>
+                    </a:srgbClr>
+                  </a:outerShdw>
+                </a:effectLst>
                 <a:latin typeface="French Script MT" panose="03020402040607040605" pitchFamily="66" charset="0"/>
               </a:rPr>
               <a:t>fo</a:t>
             </a:r>
             <a:endParaRPr lang="fr-FR" sz="9600" b="1" dirty="0" smtClean="0">
-              <a:solidFill>
-                <a:schemeClr val="accent5"/>
-              </a:solidFill>
-              <a:effectLst/>
+              <a:effectLst>
+                <a:outerShdw blurRad="38100" dist="38100" dir="2700000" algn="tl">
+                  <a:srgbClr val="000000">
+                    <a:alpha val="43137"/>
+                  </a:srgbClr>
+                </a:outerShdw>
+              </a:effectLst>
               <a:latin typeface="French Script MT" panose="03020402040607040605" pitchFamily="66" charset="0"/>
             </a:endParaRPr>
           </a:p>
@@ -3902,54 +4017,78 @@
             <a:pPr algn="ctr"/>
             <a:r>
               <a:rPr lang="en-GB" sz="9600" b="1" dirty="0">
-                <a:solidFill>
-                  <a:schemeClr val="accent5"/>
-                </a:solidFill>
+                <a:effectLst>
+                  <a:outerShdw blurRad="38100" dist="38100" dir="2700000" algn="tl">
+                    <a:srgbClr val="000000">
+                      <a:alpha val="43137"/>
+                    </a:srgbClr>
+                  </a:outerShdw>
+                </a:effectLst>
                 <a:latin typeface="French Script MT" panose="03020402040607040605" pitchFamily="66" charset="0"/>
               </a:rPr>
               <a:t> </a:t>
             </a:r>
             <a:r>
               <a:rPr lang="en-GB" sz="9600" b="1" dirty="0" err="1" smtClean="0">
-                <a:solidFill>
-                  <a:schemeClr val="accent5"/>
-                </a:solidFill>
+                <a:effectLst>
+                  <a:outerShdw blurRad="38100" dist="38100" dir="2700000" algn="tl">
+                    <a:srgbClr val="000000">
+                      <a:alpha val="43137"/>
+                    </a:srgbClr>
+                  </a:outerShdw>
+                </a:effectLst>
                 <a:latin typeface="French Script MT" panose="03020402040607040605" pitchFamily="66" charset="0"/>
               </a:rPr>
               <a:t>Fa</a:t>
             </a:r>
             <a:r>
               <a:rPr lang="en-GB" sz="9600" b="1" dirty="0" smtClean="0">
-                <a:solidFill>
-                  <a:schemeClr val="accent5"/>
-                </a:solidFill>
+                <a:effectLst>
+                  <a:outerShdw blurRad="38100" dist="38100" dir="2700000" algn="tl">
+                    <a:srgbClr val="000000">
+                      <a:alpha val="43137"/>
+                    </a:srgbClr>
+                  </a:outerShdw>
+                </a:effectLst>
                 <a:latin typeface="French Script MT" panose="03020402040607040605" pitchFamily="66" charset="0"/>
               </a:rPr>
               <a:t> </a:t>
             </a:r>
             <a:r>
               <a:rPr lang="en-GB" sz="9600" b="1" dirty="0" err="1">
-                <a:solidFill>
-                  <a:schemeClr val="accent5"/>
-                </a:solidFill>
+                <a:effectLst>
+                  <a:outerShdw blurRad="38100" dist="38100" dir="2700000" algn="tl">
+                    <a:srgbClr val="000000">
+                      <a:alpha val="43137"/>
+                    </a:srgbClr>
+                  </a:outerShdw>
+                </a:effectLst>
                 <a:latin typeface="French Script MT" panose="03020402040607040605" pitchFamily="66" charset="0"/>
               </a:rPr>
               <a:t>izany</a:t>
             </a:r>
             <a:r>
               <a:rPr lang="en-GB" sz="9600" b="1" dirty="0">
-                <a:solidFill>
-                  <a:schemeClr val="accent5"/>
-                </a:solidFill>
+                <a:effectLst>
+                  <a:outerShdw blurRad="38100" dist="38100" dir="2700000" algn="tl">
+                    <a:srgbClr val="000000">
+                      <a:alpha val="43137"/>
+                    </a:srgbClr>
+                  </a:outerShdw>
+                </a:effectLst>
                 <a:latin typeface="French Script MT" panose="03020402040607040605" pitchFamily="66" charset="0"/>
               </a:rPr>
               <a:t> </a:t>
             </a:r>
             <a:r>
               <a:rPr lang="en-GB" sz="9600" b="1" dirty="0" smtClean="0">
-                <a:solidFill>
-                  <a:schemeClr val="accent5"/>
-                </a:solidFill>
+                <a:effectLst>
+                  <a:outerShdw blurRad="38100" dist="38100" dir="2700000" algn="tl">
+                    <a:srgbClr val="000000">
+                      <a:alpha val="43137"/>
+                    </a:srgbClr>
+                  </a:outerShdw>
+                </a:effectLst>
                 <a:latin typeface="French Script MT" panose="03020402040607040605" pitchFamily="66" charset="0"/>
               </a:rPr>
               <a:t>no</a:t>
@@ -3959,53 +4098,77 @@
             <a:pPr algn="ctr"/>
             <a:r>
               <a:rPr lang="en-GB" sz="9600" b="1" dirty="0" smtClean="0">
-                <a:solidFill>
-                  <a:schemeClr val="accent5"/>
-                </a:solidFill>
+                <a:effectLst>
+                  <a:outerShdw blurRad="38100" dist="38100" dir="2700000" algn="tl">
+                    <a:srgbClr val="000000">
+                      <a:alpha val="43137"/>
+                    </a:srgbClr>
+                  </a:outerShdw>
+                </a:effectLst>
                 <a:latin typeface="French Script MT" panose="03020402040607040605" pitchFamily="66" charset="0"/>
               </a:rPr>
               <a:t> </a:t>
             </a:r>
             <a:r>
               <a:rPr lang="en-GB" sz="9600" b="1" dirty="0" err="1">
-                <a:solidFill>
-                  <a:schemeClr val="accent5"/>
-                </a:solidFill>
+                <a:effectLst>
+                  <a:outerShdw blurRad="38100" dist="38100" dir="2700000" algn="tl">
+                    <a:srgbClr val="000000">
+                      <a:alpha val="43137"/>
+                    </a:srgbClr>
+                  </a:outerShdw>
+                </a:effectLst>
                 <a:latin typeface="French Script MT" panose="03020402040607040605" pitchFamily="66" charset="0"/>
               </a:rPr>
               <a:t>fomban’ny</a:t>
             </a:r>
             <a:r>
               <a:rPr lang="en-GB" sz="9600" b="1" dirty="0">
-                <a:solidFill>
-                  <a:schemeClr val="accent5"/>
-                </a:solidFill>
+                <a:effectLst>
+                  <a:outerShdw blurRad="38100" dist="38100" dir="2700000" algn="tl">
+                    <a:srgbClr val="000000">
+                      <a:alpha val="43137"/>
+                    </a:srgbClr>
+                  </a:outerShdw>
+                </a:effectLst>
                 <a:latin typeface="French Script MT" panose="03020402040607040605" pitchFamily="66" charset="0"/>
               </a:rPr>
               <a:t> </a:t>
             </a:r>
             <a:r>
               <a:rPr lang="en-GB" sz="9600" b="1" dirty="0" err="1" smtClean="0">
-                <a:solidFill>
-                  <a:schemeClr val="accent5"/>
-                </a:solidFill>
+                <a:effectLst>
+                  <a:outerShdw blurRad="38100" dist="38100" dir="2700000" algn="tl">
+                    <a:srgbClr val="000000">
+                      <a:alpha val="43137"/>
+                    </a:srgbClr>
+                  </a:outerShdw>
+                </a:effectLst>
                 <a:latin typeface="French Script MT" panose="03020402040607040605" pitchFamily="66" charset="0"/>
               </a:rPr>
               <a:t>tany</a:t>
             </a:r>
             <a:r>
               <a:rPr lang="en-GB" sz="9600" b="1" dirty="0" smtClean="0">
-                <a:solidFill>
-                  <a:schemeClr val="accent5"/>
-                </a:solidFill>
+                <a:effectLst>
+                  <a:outerShdw blurRad="38100" dist="38100" dir="2700000" algn="tl">
+                    <a:srgbClr val="000000">
+                      <a:alpha val="43137"/>
+                    </a:srgbClr>
+                  </a:outerShdw>
+                </a:effectLst>
                 <a:latin typeface="French Script MT" panose="03020402040607040605" pitchFamily="66" charset="0"/>
               </a:rPr>
               <a:t>    </a:t>
             </a:r>
             <a:endParaRPr lang="fr-FR" sz="9600" b="1" dirty="0">
-              <a:solidFill>
-                <a:schemeClr val="accent5"/>
-              </a:solidFill>
+              <a:effectLst>
+                <a:outerShdw blurRad="38100" dist="38100" dir="2700000" algn="tl">
+                  <a:srgbClr val="000000">
+                    <a:alpha val="43137"/>
+                  </a:srgbClr>
+                </a:outerShdw>
+              </a:effectLst>
               <a:latin typeface="French Script MT" panose="03020402040607040605" pitchFamily="66" charset="0"/>
             </a:endParaRPr>
           </a:p>
@@ -4066,63 +4229,90 @@
             <a:pPr algn="ctr"/>
             <a:r>
               <a:rPr lang="en-GB" sz="9600" b="1" dirty="0" smtClean="0">
-                <a:solidFill>
-                  <a:schemeClr val="accent5"/>
-                </a:solidFill>
+                <a:effectLst>
+                  <a:outerShdw blurRad="38100" dist="38100" dir="2700000" algn="tl">
+                    <a:srgbClr val="000000">
+                      <a:alpha val="43137"/>
+                    </a:srgbClr>
+                  </a:outerShdw>
+                </a:effectLst>
                 <a:latin typeface="French Script MT" panose="03020402040607040605" pitchFamily="66" charset="0"/>
               </a:rPr>
               <a:t>Toa </a:t>
             </a:r>
             <a:r>
               <a:rPr lang="en-GB" sz="9600" b="1" dirty="0" err="1">
-                <a:solidFill>
-                  <a:schemeClr val="accent5"/>
-                </a:solidFill>
+                <a:effectLst>
+                  <a:outerShdw blurRad="38100" dist="38100" dir="2700000" algn="tl">
+                    <a:srgbClr val="000000">
+                      <a:alpha val="43137"/>
+                    </a:srgbClr>
+                  </a:outerShdw>
+                </a:effectLst>
                 <a:latin typeface="French Script MT" panose="03020402040607040605" pitchFamily="66" charset="0"/>
               </a:rPr>
               <a:t>fiainana</a:t>
             </a:r>
             <a:r>
               <a:rPr lang="en-GB" sz="9600" b="1" dirty="0">
-                <a:solidFill>
-                  <a:schemeClr val="accent5"/>
-                </a:solidFill>
+                <a:effectLst>
+                  <a:outerShdw blurRad="38100" dist="38100" dir="2700000" algn="tl">
+                    <a:srgbClr val="000000">
+                      <a:alpha val="43137"/>
+                    </a:srgbClr>
+                  </a:outerShdw>
+                </a:effectLst>
                 <a:latin typeface="French Script MT" panose="03020402040607040605" pitchFamily="66" charset="0"/>
               </a:rPr>
               <a:t> </a:t>
             </a:r>
             <a:r>
               <a:rPr lang="en-GB" sz="9600" b="1" dirty="0" err="1">
-                <a:solidFill>
-                  <a:schemeClr val="accent5"/>
-                </a:solidFill>
+                <a:effectLst>
+                  <a:outerShdw blurRad="38100" dist="38100" dir="2700000" algn="tl">
+                    <a:srgbClr val="000000">
+                      <a:alpha val="43137"/>
+                    </a:srgbClr>
+                  </a:outerShdw>
+                </a:effectLst>
                 <a:latin typeface="French Script MT" panose="03020402040607040605" pitchFamily="66" charset="0"/>
               </a:rPr>
               <a:t>raha</a:t>
             </a:r>
             <a:r>
               <a:rPr lang="en-GB" sz="9600" b="1" dirty="0">
-                <a:solidFill>
-                  <a:schemeClr val="accent5"/>
-                </a:solidFill>
+                <a:effectLst>
+                  <a:outerShdw blurRad="38100" dist="38100" dir="2700000" algn="tl">
+                    <a:srgbClr val="000000">
+                      <a:alpha val="43137"/>
+                    </a:srgbClr>
+                  </a:outerShdw>
+                </a:effectLst>
                 <a:latin typeface="French Script MT" panose="03020402040607040605" pitchFamily="66" charset="0"/>
               </a:rPr>
               <a:t> </a:t>
             </a:r>
             <a:r>
               <a:rPr lang="en-GB" sz="9600" b="1" dirty="0" err="1">
-                <a:solidFill>
-                  <a:schemeClr val="accent5"/>
-                </a:solidFill>
+                <a:effectLst>
+                  <a:outerShdw blurRad="38100" dist="38100" dir="2700000" algn="tl">
+                    <a:srgbClr val="000000">
+                      <a:alpha val="43137"/>
+                    </a:srgbClr>
+                  </a:outerShdw>
+                </a:effectLst>
                 <a:latin typeface="French Script MT" panose="03020402040607040605" pitchFamily="66" charset="0"/>
               </a:rPr>
               <a:t>jerena</a:t>
             </a:r>
             <a:endParaRPr lang="fr-FR" sz="9600" b="1" dirty="0" smtClean="0">
-              <a:solidFill>
-                <a:schemeClr val="accent5"/>
-              </a:solidFill>
-              <a:effectLst/>
+              <a:effectLst>
+                <a:outerShdw blurRad="38100" dist="38100" dir="2700000" algn="tl">
+                  <a:srgbClr val="000000">
+                    <a:alpha val="43137"/>
+                  </a:srgbClr>
+                </a:outerShdw>
+              </a:effectLst>
               <a:latin typeface="French Script MT" panose="03020402040607040605" pitchFamily="66" charset="0"/>
             </a:endParaRPr>
           </a:p>
@@ -4130,81 +4320,116 @@
             <a:pPr algn="ctr"/>
             <a:r>
               <a:rPr lang="en-GB" sz="9600" b="1" dirty="0">
-                <a:solidFill>
-                  <a:schemeClr val="accent5"/>
-                </a:solidFill>
+                <a:effectLst>
+                  <a:outerShdw blurRad="38100" dist="38100" dir="2700000" algn="tl">
+                    <a:srgbClr val="000000">
+                      <a:alpha val="43137"/>
+                    </a:srgbClr>
+                  </a:outerShdw>
+                </a:effectLst>
                 <a:latin typeface="French Script MT" panose="03020402040607040605" pitchFamily="66" charset="0"/>
               </a:rPr>
               <a:t>    </a:t>
             </a:r>
             <a:r>
               <a:rPr lang="en-GB" sz="9600" b="1" dirty="0" err="1">
-                <a:solidFill>
-                  <a:schemeClr val="accent5"/>
-                </a:solidFill>
+                <a:effectLst>
+                  <a:outerShdw blurRad="38100" dist="38100" dir="2700000" algn="tl">
+                    <a:srgbClr val="000000">
+                      <a:alpha val="43137"/>
+                    </a:srgbClr>
+                  </a:outerShdw>
+                </a:effectLst>
                 <a:latin typeface="French Script MT" panose="03020402040607040605" pitchFamily="66" charset="0"/>
               </a:rPr>
               <a:t>Kanjo</a:t>
             </a:r>
             <a:r>
               <a:rPr lang="en-GB" sz="9600" b="1" dirty="0">
-                <a:solidFill>
-                  <a:schemeClr val="accent5"/>
-                </a:solidFill>
+                <a:effectLst>
+                  <a:outerShdw blurRad="38100" dist="38100" dir="2700000" algn="tl">
+                    <a:srgbClr val="000000">
+                      <a:alpha val="43137"/>
+                    </a:srgbClr>
+                  </a:outerShdw>
+                </a:effectLst>
                 <a:latin typeface="French Script MT" panose="03020402040607040605" pitchFamily="66" charset="0"/>
               </a:rPr>
               <a:t> </a:t>
             </a:r>
             <a:r>
               <a:rPr lang="en-GB" sz="9600" b="1" dirty="0" err="1">
-                <a:solidFill>
-                  <a:schemeClr val="accent5"/>
-                </a:solidFill>
+                <a:effectLst>
+                  <a:outerShdw blurRad="38100" dist="38100" dir="2700000" algn="tl">
+                    <a:srgbClr val="000000">
+                      <a:alpha val="43137"/>
+                    </a:srgbClr>
+                  </a:outerShdw>
+                </a:effectLst>
                 <a:latin typeface="French Script MT" panose="03020402040607040605" pitchFamily="66" charset="0"/>
               </a:rPr>
               <a:t>indrisy</a:t>
             </a:r>
             <a:r>
               <a:rPr lang="en-GB" sz="9600" b="1" dirty="0">
-                <a:solidFill>
-                  <a:schemeClr val="accent5"/>
-                </a:solidFill>
+                <a:effectLst>
+                  <a:outerShdw blurRad="38100" dist="38100" dir="2700000" algn="tl">
+                    <a:srgbClr val="000000">
+                      <a:alpha val="43137"/>
+                    </a:srgbClr>
+                  </a:outerShdw>
+                </a:effectLst>
                 <a:latin typeface="French Script MT" panose="03020402040607040605" pitchFamily="66" charset="0"/>
               </a:rPr>
               <a:t> </a:t>
             </a:r>
             <a:r>
               <a:rPr lang="en-GB" sz="9600" b="1" dirty="0" err="1">
-                <a:solidFill>
-                  <a:schemeClr val="accent5"/>
-                </a:solidFill>
+                <a:effectLst>
+                  <a:outerShdw blurRad="38100" dist="38100" dir="2700000" algn="tl">
+                    <a:srgbClr val="000000">
+                      <a:alpha val="43137"/>
+                    </a:srgbClr>
+                  </a:outerShdw>
+                </a:effectLst>
                 <a:latin typeface="French Script MT" panose="03020402040607040605" pitchFamily="66" charset="0"/>
               </a:rPr>
               <a:t>fa</a:t>
             </a:r>
             <a:r>
               <a:rPr lang="en-GB" sz="9600" b="1" dirty="0">
-                <a:solidFill>
-                  <a:schemeClr val="accent5"/>
-                </a:solidFill>
+                <a:effectLst>
+                  <a:outerShdw blurRad="38100" dist="38100" dir="2700000" algn="tl">
+                    <a:srgbClr val="000000">
+                      <a:alpha val="43137"/>
+                    </a:srgbClr>
+                  </a:outerShdw>
+                </a:effectLst>
                 <a:latin typeface="French Script MT" panose="03020402040607040605" pitchFamily="66" charset="0"/>
               </a:rPr>
               <a:t> </a:t>
             </a:r>
             <a:r>
               <a:rPr lang="en-GB" sz="9600" b="1" dirty="0" err="1">
-                <a:solidFill>
-                  <a:schemeClr val="accent5"/>
-                </a:solidFill>
+                <a:effectLst>
+                  <a:outerShdw blurRad="38100" dist="38100" dir="2700000" algn="tl">
+                    <a:srgbClr val="000000">
+                      <a:alpha val="43137"/>
+                    </a:srgbClr>
+                  </a:outerShdw>
+                </a:effectLst>
                 <a:latin typeface="French Script MT" panose="03020402040607040605" pitchFamily="66" charset="0"/>
               </a:rPr>
               <a:t>mahonena</a:t>
             </a:r>
             <a:endParaRPr lang="fr-FR" sz="9600" b="1" dirty="0" smtClean="0">
-              <a:solidFill>
-                <a:schemeClr val="accent5"/>
-              </a:solidFill>
-              <a:effectLst/>
+              <a:effectLst>
+                <a:outerShdw blurRad="38100" dist="38100" dir="2700000" algn="tl">
+                  <a:srgbClr val="000000">
+                    <a:alpha val="43137"/>
+                  </a:srgbClr>
+                </a:outerShdw>
+              </a:effectLst>
               <a:latin typeface="French Script MT" panose="03020402040607040605" pitchFamily="66" charset="0"/>
             </a:endParaRPr>
           </a:p>
@@ -4212,71 +4437,103 @@
             <a:pPr algn="ctr"/>
             <a:r>
               <a:rPr lang="en-GB" sz="9600" b="1" dirty="0">
-                <a:solidFill>
-                  <a:schemeClr val="accent5"/>
-                </a:solidFill>
+                <a:effectLst>
+                  <a:outerShdw blurRad="38100" dist="38100" dir="2700000" algn="tl">
+                    <a:srgbClr val="000000">
+                      <a:alpha val="43137"/>
+                    </a:srgbClr>
+                  </a:outerShdw>
+                </a:effectLst>
                 <a:latin typeface="French Script MT" panose="03020402040607040605" pitchFamily="66" charset="0"/>
               </a:rPr>
               <a:t>   </a:t>
             </a:r>
             <a:r>
               <a:rPr lang="en-GB" sz="9600" b="1" dirty="0" err="1">
-                <a:solidFill>
-                  <a:schemeClr val="accent5"/>
-                </a:solidFill>
+                <a:effectLst>
+                  <a:outerShdw blurRad="38100" dist="38100" dir="2700000" algn="tl">
+                    <a:srgbClr val="000000">
+                      <a:alpha val="43137"/>
+                    </a:srgbClr>
+                  </a:outerShdw>
+                </a:effectLst>
                 <a:latin typeface="French Script MT" panose="03020402040607040605" pitchFamily="66" charset="0"/>
               </a:rPr>
               <a:t>Hasambarana</a:t>
             </a:r>
             <a:r>
               <a:rPr lang="en-GB" sz="9600" b="1" dirty="0">
-                <a:solidFill>
-                  <a:schemeClr val="accent5"/>
-                </a:solidFill>
+                <a:effectLst>
+                  <a:outerShdw blurRad="38100" dist="38100" dir="2700000" algn="tl">
+                    <a:srgbClr val="000000">
+                      <a:alpha val="43137"/>
+                    </a:srgbClr>
+                  </a:outerShdw>
+                </a:effectLst>
                 <a:latin typeface="French Script MT" panose="03020402040607040605" pitchFamily="66" charset="0"/>
               </a:rPr>
               <a:t> </a:t>
             </a:r>
             <a:r>
               <a:rPr lang="en-GB" sz="9600" b="1" dirty="0" err="1" smtClean="0">
-                <a:solidFill>
-                  <a:schemeClr val="accent5"/>
-                </a:solidFill>
+                <a:effectLst>
+                  <a:outerShdw blurRad="38100" dist="38100" dir="2700000" algn="tl">
+                    <a:srgbClr val="000000">
+                      <a:alpha val="43137"/>
+                    </a:srgbClr>
+                  </a:outerShdw>
+                </a:effectLst>
                 <a:latin typeface="French Script MT" panose="03020402040607040605" pitchFamily="66" charset="0"/>
               </a:rPr>
               <a:t>miserana</a:t>
             </a:r>
             <a:r>
               <a:rPr lang="en-GB" sz="9600" b="1" dirty="0" smtClean="0">
-                <a:solidFill>
-                  <a:schemeClr val="accent5"/>
-                </a:solidFill>
+                <a:effectLst>
+                  <a:outerShdw blurRad="38100" dist="38100" dir="2700000" algn="tl">
+                    <a:srgbClr val="000000">
+                      <a:alpha val="43137"/>
+                    </a:srgbClr>
+                  </a:outerShdw>
+                </a:effectLst>
                 <a:latin typeface="French Script MT" panose="03020402040607040605" pitchFamily="66" charset="0"/>
               </a:rPr>
               <a:t> </a:t>
             </a:r>
             <a:r>
               <a:rPr lang="en-GB" sz="9600" b="1" dirty="0" err="1">
-                <a:solidFill>
-                  <a:schemeClr val="accent5"/>
-                </a:solidFill>
+                <a:effectLst>
+                  <a:outerShdw blurRad="38100" dist="38100" dir="2700000" algn="tl">
+                    <a:srgbClr val="000000">
+                      <a:alpha val="43137"/>
+                    </a:srgbClr>
+                  </a:outerShdw>
+                </a:effectLst>
                 <a:latin typeface="French Script MT" panose="03020402040607040605" pitchFamily="66" charset="0"/>
               </a:rPr>
               <a:t>ihany</a:t>
             </a:r>
             <a:r>
               <a:rPr lang="en-GB" sz="9600" b="1" dirty="0" smtClean="0">
-                <a:solidFill>
-                  <a:schemeClr val="accent5"/>
-                </a:solidFill>
+                <a:effectLst>
+                  <a:outerShdw blurRad="38100" dist="38100" dir="2700000" algn="tl">
+                    <a:srgbClr val="000000">
+                      <a:alpha val="43137"/>
+                    </a:srgbClr>
+                  </a:outerShdw>
+                </a:effectLst>
                 <a:latin typeface="French Script MT" panose="03020402040607040605" pitchFamily="66" charset="0"/>
               </a:rPr>
               <a:t>.</a:t>
             </a:r>
             <a:endParaRPr lang="fr-FR" sz="9600" b="1" dirty="0">
-              <a:solidFill>
-                <a:schemeClr val="accent5"/>
-              </a:solidFill>
+              <a:effectLst>
+                <a:outerShdw blurRad="38100" dist="38100" dir="2700000" algn="tl">
+                  <a:srgbClr val="000000">
+                    <a:alpha val="43137"/>
+                  </a:srgbClr>
+                </a:outerShdw>
+              </a:effectLst>
               <a:latin typeface="French Script MT" panose="03020402040607040605" pitchFamily="66" charset="0"/>
             </a:endParaRPr>
           </a:p>
@@ -4320,8 +4577,8 @@
         </p:nvSpPr>
         <p:spPr>
           <a:xfrm>
-            <a:off x="0" y="0"/>
-            <a:ext cx="12192000" cy="6740307"/>
+            <a:off x="0" y="327550"/>
+            <a:ext cx="12192000" cy="5909310"/>
           </a:xfrm>
           <a:prstGeom prst="rect">
             <a:avLst/>
@@ -4336,22 +4593,22 @@
           <a:p>
             <a:pPr algn="ctr"/>
             <a:r>
-              <a:rPr lang="en-GB" sz="6000" b="1" dirty="0" smtClean="0"/>
+              <a:rPr lang="en-GB" sz="4400" b="1" dirty="0" smtClean="0"/>
               <a:t>1. </a:t>
             </a:r>
             <a:r>
-              <a:rPr lang="en-GB" sz="7200" b="1" dirty="0" err="1">
+              <a:rPr lang="en-GB" sz="5400" b="1" dirty="0" err="1">
                 <a:latin typeface="AR BLANCA" panose="02000000000000000000" pitchFamily="2" charset="0"/>
               </a:rPr>
               <a:t>Andriamanitra</a:t>
             </a:r>
             <a:r>
-              <a:rPr lang="en-GB" sz="7200" b="1" dirty="0">
+              <a:rPr lang="en-GB" sz="5400" b="1" dirty="0">
                 <a:latin typeface="AR BLANCA" panose="02000000000000000000" pitchFamily="2" charset="0"/>
               </a:rPr>
               <a:t> ô !</a:t>
             </a:r>
-            <a:endParaRPr lang="fr-FR" sz="7200" b="1" dirty="0" smtClean="0">
+            <a:endParaRPr lang="fr-FR" sz="5400" b="1" dirty="0" smtClean="0">
               <a:effectLst/>
               <a:latin typeface="AR BLANCA" panose="02000000000000000000" pitchFamily="2" charset="0"/>
             </a:endParaRPr>
@@ -4359,42 +4616,42 @@
           <a:p>
             <a:pPr algn="ctr"/>
             <a:r>
-              <a:rPr lang="en-GB" sz="7200" b="1" dirty="0">
+              <a:rPr lang="en-GB" sz="5400" b="1" dirty="0">
                 <a:latin typeface="AR BLANCA" panose="02000000000000000000" pitchFamily="2" charset="0"/>
               </a:rPr>
               <a:t>   </a:t>
             </a:r>
             <a:r>
-              <a:rPr lang="en-GB" sz="7200" b="1" dirty="0" err="1">
+              <a:rPr lang="en-GB" sz="5400" b="1" dirty="0" err="1">
                 <a:latin typeface="AR BLANCA" panose="02000000000000000000" pitchFamily="2" charset="0"/>
               </a:rPr>
               <a:t>Ry</a:t>
             </a:r>
             <a:r>
-              <a:rPr lang="en-GB" sz="7200" b="1" dirty="0">
-                <a:latin typeface="AR BLANCA" panose="02000000000000000000" pitchFamily="2" charset="0"/>
-              </a:rPr>
-              <a:t> </a:t>
-            </a:r>
-            <a:r>
-              <a:rPr lang="en-GB" sz="7200" b="1" dirty="0" err="1">
+              <a:rPr lang="en-GB" sz="5400" b="1" dirty="0">
+                <a:latin typeface="AR BLANCA" panose="02000000000000000000" pitchFamily="2" charset="0"/>
+              </a:rPr>
+              <a:t> </a:t>
+            </a:r>
+            <a:r>
+              <a:rPr lang="en-GB" sz="5400" b="1" dirty="0" err="1">
                 <a:latin typeface="AR BLANCA" panose="02000000000000000000" pitchFamily="2" charset="0"/>
               </a:rPr>
               <a:t>Tompo</a:t>
             </a:r>
             <a:r>
-              <a:rPr lang="en-GB" sz="7200" b="1" dirty="0">
-                <a:latin typeface="AR BLANCA" panose="02000000000000000000" pitchFamily="2" charset="0"/>
-              </a:rPr>
-              <a:t> </a:t>
-            </a:r>
-            <a:r>
-              <a:rPr lang="en-GB" sz="7200" b="1" dirty="0" err="1">
+              <a:rPr lang="en-GB" sz="5400" b="1" dirty="0">
+                <a:latin typeface="AR BLANCA" panose="02000000000000000000" pitchFamily="2" charset="0"/>
+              </a:rPr>
+              <a:t> </a:t>
+            </a:r>
+            <a:r>
+              <a:rPr lang="en-GB" sz="5400" b="1" dirty="0" err="1">
                 <a:latin typeface="AR BLANCA" panose="02000000000000000000" pitchFamily="2" charset="0"/>
               </a:rPr>
               <a:t>Zanahary</a:t>
             </a:r>
-            <a:endParaRPr lang="fr-FR" sz="7200" b="1" dirty="0" smtClean="0">
+            <a:endParaRPr lang="fr-FR" sz="5400" b="1" dirty="0" smtClean="0">
               <a:effectLst/>
               <a:latin typeface="AR BLANCA" panose="02000000000000000000" pitchFamily="2" charset="0"/>
             </a:endParaRPr>
@@ -4402,30 +4659,30 @@
           <a:p>
             <a:pPr algn="ctr"/>
             <a:r>
-              <a:rPr lang="en-GB" sz="7200" b="1" dirty="0">
+              <a:rPr lang="en-GB" sz="5400" b="1" dirty="0">
                 <a:latin typeface="AR BLANCA" panose="02000000000000000000" pitchFamily="2" charset="0"/>
               </a:rPr>
               <a:t>   Be </a:t>
             </a:r>
             <a:r>
-              <a:rPr lang="en-GB" sz="7200" b="1" dirty="0" err="1">
+              <a:rPr lang="en-GB" sz="5400" b="1" dirty="0" err="1">
                 <a:latin typeface="AR BLANCA" panose="02000000000000000000" pitchFamily="2" charset="0"/>
               </a:rPr>
               <a:t>ny</a:t>
             </a:r>
             <a:r>
-              <a:rPr lang="en-GB" sz="7200" b="1" dirty="0">
-                <a:latin typeface="AR BLANCA" panose="02000000000000000000" pitchFamily="2" charset="0"/>
-              </a:rPr>
-              <a:t> </a:t>
-            </a:r>
-            <a:r>
-              <a:rPr lang="en-GB" sz="7200" b="1" dirty="0" err="1">
+              <a:rPr lang="en-GB" sz="5400" b="1" dirty="0">
+                <a:latin typeface="AR BLANCA" panose="02000000000000000000" pitchFamily="2" charset="0"/>
+              </a:rPr>
+              <a:t> </a:t>
+            </a:r>
+            <a:r>
+              <a:rPr lang="en-GB" sz="5400" b="1" dirty="0" err="1">
                 <a:latin typeface="AR BLANCA" panose="02000000000000000000" pitchFamily="2" charset="0"/>
               </a:rPr>
               <a:t>fitiavana</a:t>
             </a:r>
-            <a:endParaRPr lang="fr-FR" sz="7200" b="1" dirty="0" smtClean="0">
+            <a:endParaRPr lang="fr-FR" sz="5400" b="1" dirty="0" smtClean="0">
               <a:effectLst/>
               <a:latin typeface="AR BLANCA" panose="02000000000000000000" pitchFamily="2" charset="0"/>
             </a:endParaRPr>
@@ -4433,42 +4690,42 @@
           <a:p>
             <a:pPr algn="ctr"/>
             <a:r>
-              <a:rPr lang="en-GB" sz="7200" b="1" dirty="0">
+              <a:rPr lang="en-GB" sz="5400" b="1" dirty="0">
                 <a:latin typeface="AR BLANCA" panose="02000000000000000000" pitchFamily="2" charset="0"/>
               </a:rPr>
               <a:t>   </a:t>
             </a:r>
             <a:r>
-              <a:rPr lang="en-GB" sz="7200" b="1" dirty="0" err="1">
+              <a:rPr lang="en-GB" sz="5400" b="1" dirty="0" err="1">
                 <a:latin typeface="AR BLANCA" panose="02000000000000000000" pitchFamily="2" charset="0"/>
               </a:rPr>
               <a:t>Mamonjy</a:t>
             </a:r>
             <a:r>
-              <a:rPr lang="en-GB" sz="7200" b="1" dirty="0">
-                <a:latin typeface="AR BLANCA" panose="02000000000000000000" pitchFamily="2" charset="0"/>
-              </a:rPr>
-              <a:t> </a:t>
-            </a:r>
-            <a:r>
-              <a:rPr lang="en-GB" sz="7200" b="1" dirty="0" err="1">
+              <a:rPr lang="en-GB" sz="5400" b="1" dirty="0">
+                <a:latin typeface="AR BLANCA" panose="02000000000000000000" pitchFamily="2" charset="0"/>
+              </a:rPr>
+              <a:t> </a:t>
+            </a:r>
+            <a:r>
+              <a:rPr lang="en-GB" sz="5400" b="1" dirty="0" err="1">
                 <a:latin typeface="AR BLANCA" panose="02000000000000000000" pitchFamily="2" charset="0"/>
               </a:rPr>
               <a:t>sy</a:t>
             </a:r>
             <a:r>
-              <a:rPr lang="en-GB" sz="7200" b="1" dirty="0">
-                <a:latin typeface="AR BLANCA" panose="02000000000000000000" pitchFamily="2" charset="0"/>
-              </a:rPr>
-              <a:t> </a:t>
-            </a:r>
-            <a:r>
-              <a:rPr lang="en-GB" sz="7200" b="1" dirty="0" err="1">
+              <a:rPr lang="en-GB" sz="5400" b="1" dirty="0">
+                <a:latin typeface="AR BLANCA" panose="02000000000000000000" pitchFamily="2" charset="0"/>
+              </a:rPr>
+              <a:t> </a:t>
+            </a:r>
+            <a:r>
+              <a:rPr lang="en-GB" sz="5400" b="1" dirty="0" err="1">
                 <a:latin typeface="AR BLANCA" panose="02000000000000000000" pitchFamily="2" charset="0"/>
               </a:rPr>
               <a:t>mamelona</a:t>
             </a:r>
-            <a:endParaRPr lang="fr-FR" sz="7200" b="1" dirty="0" smtClean="0">
+            <a:endParaRPr lang="fr-FR" sz="5400" b="1" dirty="0" smtClean="0">
               <a:effectLst/>
               <a:latin typeface="AR BLANCA" panose="02000000000000000000" pitchFamily="2" charset="0"/>
             </a:endParaRPr>
@@ -4476,54 +4733,54 @@
           <a:p>
             <a:pPr algn="ctr"/>
             <a:r>
-              <a:rPr lang="en-GB" sz="7200" b="1" dirty="0">
+              <a:rPr lang="en-GB" sz="5400" b="1" dirty="0">
                 <a:latin typeface="AR BLANCA" panose="02000000000000000000" pitchFamily="2" charset="0"/>
               </a:rPr>
               <a:t>   </a:t>
             </a:r>
             <a:r>
-              <a:rPr lang="en-GB" sz="7200" b="1" dirty="0" err="1">
+              <a:rPr lang="en-GB" sz="5400" b="1" dirty="0" err="1">
                 <a:latin typeface="AR BLANCA" panose="02000000000000000000" pitchFamily="2" charset="0"/>
               </a:rPr>
               <a:t>Vatolampy</a:t>
             </a:r>
             <a:r>
-              <a:rPr lang="en-GB" sz="7200" b="1" dirty="0">
+              <a:rPr lang="en-GB" sz="5400" b="1" dirty="0">
                 <a:latin typeface="AR BLANCA" panose="02000000000000000000" pitchFamily="2" charset="0"/>
               </a:rPr>
               <a:t>, </a:t>
             </a:r>
             <a:r>
-              <a:rPr lang="en-GB" sz="7200" b="1" dirty="0" err="1">
+              <a:rPr lang="en-GB" sz="5400" b="1" dirty="0" err="1">
                 <a:latin typeface="AR BLANCA" panose="02000000000000000000" pitchFamily="2" charset="0"/>
               </a:rPr>
               <a:t>toky</a:t>
             </a:r>
             <a:r>
-              <a:rPr lang="en-GB" sz="7200" b="1" dirty="0">
-                <a:latin typeface="AR BLANCA" panose="02000000000000000000" pitchFamily="2" charset="0"/>
-              </a:rPr>
-              <a:t> </a:t>
-            </a:r>
-            <a:r>
-              <a:rPr lang="en-GB" sz="7200" b="1" dirty="0" err="1">
+              <a:rPr lang="en-GB" sz="5400" b="1" dirty="0">
+                <a:latin typeface="AR BLANCA" panose="02000000000000000000" pitchFamily="2" charset="0"/>
+              </a:rPr>
+              <a:t> </a:t>
+            </a:r>
+            <a:r>
+              <a:rPr lang="en-GB" sz="5400" b="1" dirty="0" err="1">
                 <a:latin typeface="AR BLANCA" panose="02000000000000000000" pitchFamily="2" charset="0"/>
               </a:rPr>
               <a:t>tsy</a:t>
             </a:r>
             <a:r>
-              <a:rPr lang="en-GB" sz="7200" b="1" dirty="0">
-                <a:latin typeface="AR BLANCA" panose="02000000000000000000" pitchFamily="2" charset="0"/>
-              </a:rPr>
-              <a:t> </a:t>
-            </a:r>
-            <a:r>
-              <a:rPr lang="en-GB" sz="7200" b="1" dirty="0" err="1">
+              <a:rPr lang="en-GB" sz="5400" b="1" dirty="0">
+                <a:latin typeface="AR BLANCA" panose="02000000000000000000" pitchFamily="2" charset="0"/>
+              </a:rPr>
+              <a:t> </a:t>
+            </a:r>
+            <a:r>
+              <a:rPr lang="en-GB" sz="5400" b="1" dirty="0" err="1">
                 <a:latin typeface="AR BLANCA" panose="02000000000000000000" pitchFamily="2" charset="0"/>
               </a:rPr>
               <a:t>mifindra</a:t>
             </a:r>
-            <a:endParaRPr lang="fr-FR" sz="7200" b="1" dirty="0" smtClean="0">
+            <a:endParaRPr lang="fr-FR" sz="5400" b="1" dirty="0" smtClean="0">
               <a:effectLst/>
               <a:latin typeface="AR BLANCA" panose="02000000000000000000" pitchFamily="2" charset="0"/>
             </a:endParaRPr>
@@ -4531,48 +4788,48 @@
           <a:p>
             <a:pPr algn="ctr"/>
             <a:r>
-              <a:rPr lang="en-GB" sz="7200" b="1" dirty="0">
+              <a:rPr lang="en-GB" sz="5400" b="1" dirty="0">
                 <a:latin typeface="AR BLANCA" panose="02000000000000000000" pitchFamily="2" charset="0"/>
               </a:rPr>
               <a:t>   </a:t>
             </a:r>
             <a:r>
-              <a:rPr lang="en-GB" sz="7200" b="1" dirty="0" err="1">
+              <a:rPr lang="en-GB" sz="5400" b="1" dirty="0" err="1">
                 <a:latin typeface="AR BLANCA" panose="02000000000000000000" pitchFamily="2" charset="0"/>
               </a:rPr>
               <a:t>Fa</a:t>
             </a:r>
             <a:r>
-              <a:rPr lang="en-GB" sz="7200" b="1" dirty="0">
-                <a:latin typeface="AR BLANCA" panose="02000000000000000000" pitchFamily="2" charset="0"/>
-              </a:rPr>
-              <a:t> </a:t>
-            </a:r>
-            <a:r>
-              <a:rPr lang="en-GB" sz="7200" b="1" dirty="0" err="1">
+              <a:rPr lang="en-GB" sz="5400" b="1" dirty="0">
+                <a:latin typeface="AR BLANCA" panose="02000000000000000000" pitchFamily="2" charset="0"/>
+              </a:rPr>
+              <a:t> </a:t>
+            </a:r>
+            <a:r>
+              <a:rPr lang="en-GB" sz="5400" b="1" dirty="0" err="1">
                 <a:latin typeface="AR BLANCA" panose="02000000000000000000" pitchFamily="2" charset="0"/>
               </a:rPr>
               <a:t>maharitra</a:t>
             </a:r>
             <a:r>
-              <a:rPr lang="en-GB" sz="7200" b="1" dirty="0">
-                <a:latin typeface="AR BLANCA" panose="02000000000000000000" pitchFamily="2" charset="0"/>
-              </a:rPr>
-              <a:t> </a:t>
-            </a:r>
-            <a:r>
-              <a:rPr lang="en-GB" sz="7200" b="1" dirty="0" err="1">
+              <a:rPr lang="en-GB" sz="5400" b="1" dirty="0">
+                <a:latin typeface="AR BLANCA" panose="02000000000000000000" pitchFamily="2" charset="0"/>
+              </a:rPr>
+              <a:t> </a:t>
+            </a:r>
+            <a:r>
+              <a:rPr lang="en-GB" sz="5400" b="1" dirty="0" err="1">
                 <a:latin typeface="AR BLANCA" panose="02000000000000000000" pitchFamily="2" charset="0"/>
               </a:rPr>
               <a:t>mandrakizay</a:t>
             </a:r>
             <a:r>
-              <a:rPr lang="en-GB" sz="7200" b="1" dirty="0" smtClean="0">
+              <a:rPr lang="en-GB" sz="5400" b="1" dirty="0" smtClean="0">
                 <a:latin typeface="AR BLANCA" panose="02000000000000000000" pitchFamily="2" charset="0"/>
               </a:rPr>
               <a:t>.</a:t>
             </a:r>
-            <a:endParaRPr lang="fr-FR" sz="7200" b="1" dirty="0">
+            <a:endParaRPr lang="fr-FR" sz="5400" b="1" dirty="0">
               <a:latin typeface="AR BLANCA" panose="02000000000000000000" pitchFamily="2" charset="0"/>
             </a:endParaRPr>
           </a:p>
@@ -4623,7 +4880,7 @@
         </p:nvSpPr>
         <p:spPr>
           <a:xfrm>
-            <a:off x="0" y="536028"/>
+            <a:off x="0" y="413196"/>
             <a:ext cx="12192000" cy="6001643"/>
           </a:xfrm>
           <a:prstGeom prst="rect">
@@ -4640,63 +4897,91 @@
             <a:pPr algn="ctr"/>
             <a:r>
               <a:rPr lang="en-GB" sz="9600" b="1" dirty="0" err="1">
-                <a:solidFill>
-                  <a:schemeClr val="accent5"/>
-                </a:solidFill>
+                <a:effectLst>
+                  <a:outerShdw blurRad="38100" dist="38100" dir="2700000" algn="tl">
+                    <a:srgbClr val="000000">
+                      <a:alpha val="43137"/>
+                    </a:srgbClr>
+                  </a:outerShdw>
+                </a:effectLst>
                 <a:latin typeface="French Script MT" panose="03020402040607040605" pitchFamily="66" charset="0"/>
               </a:rPr>
               <a:t>Raha</a:t>
             </a:r>
             <a:r>
               <a:rPr lang="en-GB" sz="9600" b="1" dirty="0">
-                <a:solidFill>
-                  <a:schemeClr val="accent5"/>
-                </a:solidFill>
+                <a:effectLst>
+                  <a:outerShdw blurRad="38100" dist="38100" dir="2700000" algn="tl">
+                    <a:srgbClr val="000000">
+                      <a:alpha val="43137"/>
+                    </a:srgbClr>
+                  </a:outerShdw>
+                </a:effectLst>
                 <a:latin typeface="French Script MT" panose="03020402040607040605" pitchFamily="66" charset="0"/>
               </a:rPr>
               <a:t> </a:t>
             </a:r>
             <a:r>
               <a:rPr lang="en-GB" sz="9600" b="1" dirty="0" err="1">
-                <a:solidFill>
-                  <a:schemeClr val="accent5"/>
-                </a:solidFill>
+                <a:effectLst>
+                  <a:outerShdw blurRad="38100" dist="38100" dir="2700000" algn="tl">
+                    <a:srgbClr val="000000">
+                      <a:alpha val="43137"/>
+                    </a:srgbClr>
+                  </a:outerShdw>
+                </a:effectLst>
                 <a:latin typeface="French Script MT" panose="03020402040607040605" pitchFamily="66" charset="0"/>
               </a:rPr>
               <a:t>eto</a:t>
             </a:r>
             <a:r>
               <a:rPr lang="en-GB" sz="9600" b="1" dirty="0">
-                <a:solidFill>
-                  <a:schemeClr val="accent5"/>
-                </a:solidFill>
+                <a:effectLst>
+                  <a:outerShdw blurRad="38100" dist="38100" dir="2700000" algn="tl">
+                    <a:srgbClr val="000000">
+                      <a:alpha val="43137"/>
+                    </a:srgbClr>
+                  </a:outerShdw>
+                </a:effectLst>
                 <a:latin typeface="French Script MT" panose="03020402040607040605" pitchFamily="66" charset="0"/>
               </a:rPr>
               <a:t> </a:t>
             </a:r>
             <a:r>
               <a:rPr lang="en-GB" sz="9600" b="1" dirty="0" smtClean="0">
-                <a:solidFill>
-                  <a:schemeClr val="accent5"/>
-                </a:solidFill>
+                <a:effectLst>
+                  <a:outerShdw blurRad="38100" dist="38100" dir="2700000" algn="tl">
+                    <a:srgbClr val="000000">
+                      <a:alpha val="43137"/>
+                    </a:srgbClr>
+                  </a:outerShdw>
+                </a:effectLst>
                 <a:latin typeface="French Script MT" panose="03020402040607040605" pitchFamily="66" charset="0"/>
               </a:rPr>
               <a:t>an-</a:t>
             </a:r>
             <a:r>
               <a:rPr lang="en-GB" sz="9600" b="1" dirty="0" err="1" smtClean="0">
-                <a:solidFill>
-                  <a:schemeClr val="accent5"/>
-                </a:solidFill>
+                <a:effectLst>
+                  <a:outerShdw blurRad="38100" dist="38100" dir="2700000" algn="tl">
+                    <a:srgbClr val="000000">
+                      <a:alpha val="43137"/>
+                    </a:srgbClr>
+                  </a:outerShdw>
+                </a:effectLst>
                 <a:latin typeface="French Script MT" panose="03020402040607040605" pitchFamily="66" charset="0"/>
               </a:rPr>
               <a:t>tany</a:t>
             </a:r>
             <a:r>
               <a:rPr lang="en-GB" sz="9600" b="1" dirty="0" smtClean="0">
-                <a:solidFill>
-                  <a:schemeClr val="accent5"/>
-                </a:solidFill>
+                <a:effectLst>
+                  <a:outerShdw blurRad="38100" dist="38100" dir="2700000" algn="tl">
+                    <a:srgbClr val="000000">
+                      <a:alpha val="43137"/>
+                    </a:srgbClr>
+                  </a:outerShdw>
+                </a:effectLst>
                 <a:latin typeface="French Script MT" panose="03020402040607040605" pitchFamily="66" charset="0"/>
               </a:rPr>
               <a:t> </a:t>
@@ -4706,54 +4991,77 @@
             <a:pPr algn="ctr"/>
             <a:r>
               <a:rPr lang="en-GB" sz="9600" b="1" dirty="0" err="1" smtClean="0">
-                <a:solidFill>
-                  <a:schemeClr val="accent5"/>
-                </a:solidFill>
+                <a:effectLst>
+                  <a:outerShdw blurRad="38100" dist="38100" dir="2700000" algn="tl">
+                    <a:srgbClr val="000000">
+                      <a:alpha val="43137"/>
+                    </a:srgbClr>
+                  </a:outerShdw>
+                </a:effectLst>
                 <a:latin typeface="French Script MT" panose="03020402040607040605" pitchFamily="66" charset="0"/>
               </a:rPr>
               <a:t>dia</a:t>
             </a:r>
             <a:r>
               <a:rPr lang="en-GB" sz="9600" b="1" dirty="0" smtClean="0">
-                <a:solidFill>
-                  <a:schemeClr val="accent5"/>
-                </a:solidFill>
+                <a:effectLst>
+                  <a:outerShdw blurRad="38100" dist="38100" dir="2700000" algn="tl">
+                    <a:srgbClr val="000000">
+                      <a:alpha val="43137"/>
+                    </a:srgbClr>
+                  </a:outerShdw>
+                </a:effectLst>
                 <a:latin typeface="French Script MT" panose="03020402040607040605" pitchFamily="66" charset="0"/>
               </a:rPr>
               <a:t> </a:t>
             </a:r>
             <a:r>
               <a:rPr lang="en-GB" sz="9600" b="1" dirty="0" err="1" smtClean="0">
-                <a:solidFill>
-                  <a:schemeClr val="accent5"/>
-                </a:solidFill>
+                <a:effectLst>
+                  <a:outerShdw blurRad="38100" dist="38100" dir="2700000" algn="tl">
+                    <a:srgbClr val="000000">
+                      <a:alpha val="43137"/>
+                    </a:srgbClr>
+                  </a:outerShdw>
+                </a:effectLst>
                 <a:latin typeface="French Script MT" panose="03020402040607040605" pitchFamily="66" charset="0"/>
               </a:rPr>
               <a:t>mandalo</a:t>
             </a:r>
             <a:r>
               <a:rPr lang="en-GB" sz="9600" b="1" dirty="0" smtClean="0">
-                <a:solidFill>
-                  <a:schemeClr val="accent5"/>
-                </a:solidFill>
+                <a:effectLst>
+                  <a:outerShdw blurRad="38100" dist="38100" dir="2700000" algn="tl">
+                    <a:srgbClr val="000000">
+                      <a:alpha val="43137"/>
+                    </a:srgbClr>
+                  </a:outerShdw>
+                </a:effectLst>
                 <a:latin typeface="French Script MT" panose="03020402040607040605" pitchFamily="66" charset="0"/>
               </a:rPr>
               <a:t> </a:t>
             </a:r>
             <a:r>
               <a:rPr lang="en-GB" sz="9600" b="1" dirty="0" err="1">
-                <a:solidFill>
-                  <a:schemeClr val="accent5"/>
-                </a:solidFill>
+                <a:effectLst>
+                  <a:outerShdw blurRad="38100" dist="38100" dir="2700000" algn="tl">
+                    <a:srgbClr val="000000">
+                      <a:alpha val="43137"/>
+                    </a:srgbClr>
+                  </a:outerShdw>
+                </a:effectLst>
                 <a:latin typeface="French Script MT" panose="03020402040607040605" pitchFamily="66" charset="0"/>
               </a:rPr>
               <a:t>ihany</a:t>
             </a:r>
             <a:endParaRPr lang="fr-FR" sz="9600" b="1" dirty="0" smtClean="0">
-              <a:solidFill>
-                <a:schemeClr val="accent5"/>
-              </a:solidFill>
-              <a:effectLst/>
+              <a:effectLst>
+                <a:outerShdw blurRad="38100" dist="38100" dir="2700000" algn="tl">
+                  <a:srgbClr val="000000">
+                    <a:alpha val="43137"/>
+                  </a:srgbClr>
+                </a:outerShdw>
+              </a:effectLst>
               <a:latin typeface="French Script MT" panose="03020402040607040605" pitchFamily="66" charset="0"/>
             </a:endParaRPr>
           </a:p>
@@ -4761,18 +5069,26 @@
             <a:pPr algn="ctr"/>
             <a:r>
               <a:rPr lang="en-GB" sz="9600" b="1" dirty="0" err="1" smtClean="0">
-                <a:solidFill>
-                  <a:schemeClr val="accent5"/>
-                </a:solidFill>
+                <a:effectLst>
+                  <a:outerShdw blurRad="38100" dist="38100" dir="2700000" algn="tl">
+                    <a:srgbClr val="000000">
+                      <a:alpha val="43137"/>
+                    </a:srgbClr>
+                  </a:outerShdw>
+                </a:effectLst>
                 <a:latin typeface="French Script MT" panose="03020402040607040605" pitchFamily="66" charset="0"/>
               </a:rPr>
               <a:t>Miovaova</a:t>
             </a:r>
             <a:r>
               <a:rPr lang="en-GB" sz="9600" b="1" dirty="0" smtClean="0">
-                <a:solidFill>
-                  <a:schemeClr val="accent5"/>
-                </a:solidFill>
+                <a:effectLst>
+                  <a:outerShdw blurRad="38100" dist="38100" dir="2700000" algn="tl">
+                    <a:srgbClr val="000000">
+                      <a:alpha val="43137"/>
+                    </a:srgbClr>
+                  </a:outerShdw>
+                </a:effectLst>
                 <a:latin typeface="French Script MT" panose="03020402040607040605" pitchFamily="66" charset="0"/>
               </a:rPr>
               <a:t> </a:t>
@@ -4782,62 +5098,90 @@
             <a:pPr algn="ctr"/>
             <a:r>
               <a:rPr lang="en-GB" sz="9600" b="1" dirty="0" err="1" smtClean="0">
-                <a:solidFill>
-                  <a:schemeClr val="accent5"/>
-                </a:solidFill>
+                <a:effectLst>
+                  <a:outerShdw blurRad="38100" dist="38100" dir="2700000" algn="tl">
+                    <a:srgbClr val="000000">
+                      <a:alpha val="43137"/>
+                    </a:srgbClr>
+                  </a:outerShdw>
+                </a:effectLst>
                 <a:latin typeface="French Script MT" panose="03020402040607040605" pitchFamily="66" charset="0"/>
               </a:rPr>
               <a:t>Tsy</a:t>
             </a:r>
             <a:r>
               <a:rPr lang="en-GB" sz="9600" b="1" dirty="0" smtClean="0">
-                <a:solidFill>
-                  <a:schemeClr val="accent5"/>
-                </a:solidFill>
+                <a:effectLst>
+                  <a:outerShdw blurRad="38100" dist="38100" dir="2700000" algn="tl">
+                    <a:srgbClr val="000000">
+                      <a:alpha val="43137"/>
+                    </a:srgbClr>
+                  </a:outerShdw>
+                </a:effectLst>
                 <a:latin typeface="French Script MT" panose="03020402040607040605" pitchFamily="66" charset="0"/>
               </a:rPr>
               <a:t> </a:t>
             </a:r>
             <a:r>
               <a:rPr lang="en-GB" sz="9600" b="1" dirty="0" err="1" smtClean="0">
-                <a:solidFill>
-                  <a:schemeClr val="accent5"/>
-                </a:solidFill>
+                <a:effectLst>
+                  <a:outerShdw blurRad="38100" dist="38100" dir="2700000" algn="tl">
+                    <a:srgbClr val="000000">
+                      <a:alpha val="43137"/>
+                    </a:srgbClr>
+                  </a:outerShdw>
+                </a:effectLst>
                 <a:latin typeface="French Script MT" panose="03020402040607040605" pitchFamily="66" charset="0"/>
               </a:rPr>
               <a:t>azo</a:t>
             </a:r>
             <a:r>
               <a:rPr lang="en-GB" sz="9600" b="1" dirty="0" smtClean="0">
-                <a:solidFill>
-                  <a:schemeClr val="accent5"/>
-                </a:solidFill>
+                <a:effectLst>
+                  <a:outerShdw blurRad="38100" dist="38100" dir="2700000" algn="tl">
+                    <a:srgbClr val="000000">
+                      <a:alpha val="43137"/>
+                    </a:srgbClr>
+                  </a:outerShdw>
+                </a:effectLst>
                 <a:latin typeface="French Script MT" panose="03020402040607040605" pitchFamily="66" charset="0"/>
               </a:rPr>
               <a:t> </a:t>
             </a:r>
             <a:r>
               <a:rPr lang="en-GB" sz="9600" b="1" dirty="0" err="1" smtClean="0">
-                <a:solidFill>
-                  <a:schemeClr val="accent5"/>
-                </a:solidFill>
+                <a:effectLst>
+                  <a:outerShdw blurRad="38100" dist="38100" dir="2700000" algn="tl">
+                    <a:srgbClr val="000000">
+                      <a:alpha val="43137"/>
+                    </a:srgbClr>
+                  </a:outerShdw>
+                </a:effectLst>
                 <a:latin typeface="French Script MT" panose="03020402040607040605" pitchFamily="66" charset="0"/>
               </a:rPr>
               <a:t>ianteherana</a:t>
             </a:r>
             <a:r>
               <a:rPr lang="en-GB" sz="9600" b="1" dirty="0" smtClean="0">
-                <a:solidFill>
-                  <a:schemeClr val="accent5"/>
-                </a:solidFill>
+                <a:effectLst>
+                  <a:outerShdw blurRad="38100" dist="38100" dir="2700000" algn="tl">
+                    <a:srgbClr val="000000">
+                      <a:alpha val="43137"/>
+                    </a:srgbClr>
+                  </a:outerShdw>
+                </a:effectLst>
                 <a:latin typeface="French Script MT" panose="03020402040607040605" pitchFamily="66" charset="0"/>
               </a:rPr>
               <a:t>,</a:t>
             </a:r>
             <a:endParaRPr lang="fr-FR" sz="9600" b="1" dirty="0">
-              <a:solidFill>
-                <a:schemeClr val="accent5"/>
-              </a:solidFill>
+              <a:effectLst>
+                <a:outerShdw blurRad="38100" dist="38100" dir="2700000" algn="tl">
+                  <a:srgbClr val="000000">
+                    <a:alpha val="43137"/>
+                  </a:srgbClr>
+                </a:outerShdw>
+              </a:effectLst>
               <a:latin typeface="French Script MT" panose="03020402040607040605" pitchFamily="66" charset="0"/>
             </a:endParaRPr>
           </a:p>
@@ -4905,44 +5249,64 @@
             <a:pPr algn="ctr"/>
             <a:r>
               <a:rPr lang="en-GB" sz="9600" b="1" dirty="0" smtClean="0">
-                <a:solidFill>
-                  <a:schemeClr val="accent5"/>
-                </a:solidFill>
+                <a:effectLst>
+                  <a:outerShdw blurRad="38100" dist="38100" dir="2700000" algn="tl">
+                    <a:srgbClr val="000000">
+                      <a:alpha val="43137"/>
+                    </a:srgbClr>
+                  </a:outerShdw>
+                </a:effectLst>
                 <a:latin typeface="French Script MT" panose="03020402040607040605" pitchFamily="66" charset="0"/>
               </a:rPr>
               <a:t>Be no </a:t>
             </a:r>
             <a:r>
               <a:rPr lang="en-GB" sz="9600" b="1" dirty="0" err="1" smtClean="0">
-                <a:solidFill>
-                  <a:schemeClr val="accent5"/>
-                </a:solidFill>
+                <a:effectLst>
+                  <a:outerShdw blurRad="38100" dist="38100" dir="2700000" algn="tl">
+                    <a:srgbClr val="000000">
+                      <a:alpha val="43137"/>
+                    </a:srgbClr>
+                  </a:outerShdw>
+                </a:effectLst>
                 <a:latin typeface="French Script MT" panose="03020402040607040605" pitchFamily="66" charset="0"/>
               </a:rPr>
               <a:t>efa</a:t>
             </a:r>
             <a:r>
               <a:rPr lang="en-GB" sz="9600" b="1" dirty="0" smtClean="0">
-                <a:solidFill>
-                  <a:schemeClr val="accent5"/>
-                </a:solidFill>
+                <a:effectLst>
+                  <a:outerShdw blurRad="38100" dist="38100" dir="2700000" algn="tl">
+                    <a:srgbClr val="000000">
+                      <a:alpha val="43137"/>
+                    </a:srgbClr>
+                  </a:outerShdw>
+                </a:effectLst>
                 <a:latin typeface="French Script MT" panose="03020402040607040605" pitchFamily="66" charset="0"/>
               </a:rPr>
               <a:t> </a:t>
             </a:r>
             <a:r>
               <a:rPr lang="en-GB" sz="9600" b="1" dirty="0" err="1" smtClean="0">
-                <a:solidFill>
-                  <a:schemeClr val="accent5"/>
-                </a:solidFill>
+                <a:effectLst>
+                  <a:outerShdw blurRad="38100" dist="38100" dir="2700000" algn="tl">
+                    <a:srgbClr val="000000">
+                      <a:alpha val="43137"/>
+                    </a:srgbClr>
+                  </a:outerShdw>
+                </a:effectLst>
                 <a:latin typeface="French Script MT" panose="03020402040607040605" pitchFamily="66" charset="0"/>
               </a:rPr>
               <a:t>voa</a:t>
             </a:r>
             <a:endParaRPr lang="en-GB" sz="9600" b="1" dirty="0" smtClean="0">
-              <a:solidFill>
-                <a:schemeClr val="accent5"/>
-              </a:solidFill>
+              <a:effectLst>
+                <a:outerShdw blurRad="38100" dist="38100" dir="2700000" algn="tl">
+                  <a:srgbClr val="000000">
+                    <a:alpha val="43137"/>
+                  </a:srgbClr>
+                </a:outerShdw>
+              </a:effectLst>
               <a:latin typeface="French Script MT" panose="03020402040607040605" pitchFamily="66" charset="0"/>
             </a:endParaRPr>
           </a:p>
@@ -4950,63 +5314,90 @@
             <a:pPr algn="ctr"/>
             <a:r>
               <a:rPr lang="en-GB" sz="9600" b="1" dirty="0" smtClean="0">
-                <a:solidFill>
-                  <a:schemeClr val="accent5"/>
-                </a:solidFill>
+                <a:effectLst>
+                  <a:outerShdw blurRad="38100" dist="38100" dir="2700000" algn="tl">
+                    <a:srgbClr val="000000">
+                      <a:alpha val="43137"/>
+                    </a:srgbClr>
+                  </a:outerShdw>
+                </a:effectLst>
                 <a:latin typeface="French Script MT" panose="03020402040607040605" pitchFamily="66" charset="0"/>
               </a:rPr>
               <a:t> </a:t>
             </a:r>
             <a:r>
               <a:rPr lang="en-GB" sz="9600" b="1" dirty="0" err="1" smtClean="0">
-                <a:solidFill>
-                  <a:schemeClr val="accent5"/>
-                </a:solidFill>
+                <a:effectLst>
+                  <a:outerShdw blurRad="38100" dist="38100" dir="2700000" algn="tl">
+                    <a:srgbClr val="000000">
+                      <a:alpha val="43137"/>
+                    </a:srgbClr>
+                  </a:outerShdw>
+                </a:effectLst>
                 <a:latin typeface="French Script MT" panose="03020402040607040605" pitchFamily="66" charset="0"/>
               </a:rPr>
               <a:t>ka</a:t>
             </a:r>
             <a:r>
               <a:rPr lang="en-GB" sz="9600" b="1" dirty="0" smtClean="0">
-                <a:solidFill>
-                  <a:schemeClr val="accent5"/>
-                </a:solidFill>
+                <a:effectLst>
+                  <a:outerShdw blurRad="38100" dist="38100" dir="2700000" algn="tl">
+                    <a:srgbClr val="000000">
+                      <a:alpha val="43137"/>
+                    </a:srgbClr>
+                  </a:outerShdw>
+                </a:effectLst>
                 <a:latin typeface="French Script MT" panose="03020402040607040605" pitchFamily="66" charset="0"/>
               </a:rPr>
               <a:t> </a:t>
             </a:r>
             <a:r>
               <a:rPr lang="en-GB" sz="9600" b="1" dirty="0" err="1" smtClean="0">
-                <a:solidFill>
-                  <a:schemeClr val="accent5"/>
-                </a:solidFill>
+                <a:effectLst>
+                  <a:outerShdw blurRad="38100" dist="38100" dir="2700000" algn="tl">
+                    <a:srgbClr val="000000">
+                      <a:alpha val="43137"/>
+                    </a:srgbClr>
+                  </a:outerShdw>
+                </a:effectLst>
                 <a:latin typeface="French Script MT" panose="03020402040607040605" pitchFamily="66" charset="0"/>
               </a:rPr>
               <a:t>mamoy</a:t>
             </a:r>
             <a:r>
               <a:rPr lang="en-GB" sz="9600" b="1" dirty="0" smtClean="0">
-                <a:solidFill>
-                  <a:schemeClr val="accent5"/>
-                </a:solidFill>
+                <a:effectLst>
+                  <a:outerShdw blurRad="38100" dist="38100" dir="2700000" algn="tl">
+                    <a:srgbClr val="000000">
+                      <a:alpha val="43137"/>
+                    </a:srgbClr>
+                  </a:outerShdw>
+                </a:effectLst>
                 <a:latin typeface="French Script MT" panose="03020402040607040605" pitchFamily="66" charset="0"/>
               </a:rPr>
               <a:t> </a:t>
             </a:r>
             <a:r>
               <a:rPr lang="en-GB" sz="9600" b="1" dirty="0" err="1" smtClean="0">
-                <a:solidFill>
-                  <a:schemeClr val="accent5"/>
-                </a:solidFill>
+                <a:effectLst>
+                  <a:outerShdw blurRad="38100" dist="38100" dir="2700000" algn="tl">
+                    <a:srgbClr val="000000">
+                      <a:alpha val="43137"/>
+                    </a:srgbClr>
+                  </a:outerShdw>
+                </a:effectLst>
                 <a:latin typeface="French Script MT" panose="03020402040607040605" pitchFamily="66" charset="0"/>
               </a:rPr>
               <a:t>fo</a:t>
             </a:r>
             <a:endParaRPr lang="fr-FR" sz="9600" b="1" dirty="0" smtClean="0">
-              <a:solidFill>
-                <a:schemeClr val="accent5"/>
-              </a:solidFill>
-              <a:effectLst/>
+              <a:effectLst>
+                <a:outerShdw blurRad="38100" dist="38100" dir="2700000" algn="tl">
+                  <a:srgbClr val="000000">
+                    <a:alpha val="43137"/>
+                  </a:srgbClr>
+                </a:outerShdw>
+              </a:effectLst>
               <a:latin typeface="French Script MT" panose="03020402040607040605" pitchFamily="66" charset="0"/>
             </a:endParaRPr>
           </a:p>
@@ -5014,54 +5405,78 @@
             <a:pPr algn="ctr"/>
             <a:r>
               <a:rPr lang="en-GB" sz="9600" b="1" dirty="0">
-                <a:solidFill>
-                  <a:schemeClr val="accent5"/>
-                </a:solidFill>
+                <a:effectLst>
+                  <a:outerShdw blurRad="38100" dist="38100" dir="2700000" algn="tl">
+                    <a:srgbClr val="000000">
+                      <a:alpha val="43137"/>
+                    </a:srgbClr>
+                  </a:outerShdw>
+                </a:effectLst>
                 <a:latin typeface="French Script MT" panose="03020402040607040605" pitchFamily="66" charset="0"/>
               </a:rPr>
               <a:t> </a:t>
             </a:r>
             <a:r>
               <a:rPr lang="en-GB" sz="9600" b="1" dirty="0" err="1" smtClean="0">
-                <a:solidFill>
-                  <a:schemeClr val="accent5"/>
-                </a:solidFill>
+                <a:effectLst>
+                  <a:outerShdw blurRad="38100" dist="38100" dir="2700000" algn="tl">
+                    <a:srgbClr val="000000">
+                      <a:alpha val="43137"/>
+                    </a:srgbClr>
+                  </a:outerShdw>
+                </a:effectLst>
                 <a:latin typeface="French Script MT" panose="03020402040607040605" pitchFamily="66" charset="0"/>
               </a:rPr>
               <a:t>Fa</a:t>
             </a:r>
             <a:r>
               <a:rPr lang="en-GB" sz="9600" b="1" dirty="0" smtClean="0">
-                <a:solidFill>
-                  <a:schemeClr val="accent5"/>
-                </a:solidFill>
+                <a:effectLst>
+                  <a:outerShdw blurRad="38100" dist="38100" dir="2700000" algn="tl">
+                    <a:srgbClr val="000000">
+                      <a:alpha val="43137"/>
+                    </a:srgbClr>
+                  </a:outerShdw>
+                </a:effectLst>
                 <a:latin typeface="French Script MT" panose="03020402040607040605" pitchFamily="66" charset="0"/>
               </a:rPr>
               <a:t> </a:t>
             </a:r>
             <a:r>
               <a:rPr lang="en-GB" sz="9600" b="1" dirty="0" err="1">
-                <a:solidFill>
-                  <a:schemeClr val="accent5"/>
-                </a:solidFill>
+                <a:effectLst>
+                  <a:outerShdw blurRad="38100" dist="38100" dir="2700000" algn="tl">
+                    <a:srgbClr val="000000">
+                      <a:alpha val="43137"/>
+                    </a:srgbClr>
+                  </a:outerShdw>
+                </a:effectLst>
                 <a:latin typeface="French Script MT" panose="03020402040607040605" pitchFamily="66" charset="0"/>
               </a:rPr>
               <a:t>izany</a:t>
             </a:r>
             <a:r>
               <a:rPr lang="en-GB" sz="9600" b="1" dirty="0">
-                <a:solidFill>
-                  <a:schemeClr val="accent5"/>
-                </a:solidFill>
+                <a:effectLst>
+                  <a:outerShdw blurRad="38100" dist="38100" dir="2700000" algn="tl">
+                    <a:srgbClr val="000000">
+                      <a:alpha val="43137"/>
+                    </a:srgbClr>
+                  </a:outerShdw>
+                </a:effectLst>
                 <a:latin typeface="French Script MT" panose="03020402040607040605" pitchFamily="66" charset="0"/>
               </a:rPr>
               <a:t> </a:t>
             </a:r>
             <a:r>
               <a:rPr lang="en-GB" sz="9600" b="1" dirty="0" smtClean="0">
-                <a:solidFill>
-                  <a:schemeClr val="accent5"/>
-                </a:solidFill>
+                <a:effectLst>
+                  <a:outerShdw blurRad="38100" dist="38100" dir="2700000" algn="tl">
+                    <a:srgbClr val="000000">
+                      <a:alpha val="43137"/>
+                    </a:srgbClr>
+                  </a:outerShdw>
+                </a:effectLst>
                 <a:latin typeface="French Script MT" panose="03020402040607040605" pitchFamily="66" charset="0"/>
               </a:rPr>
               <a:t>no</a:t>
@@ -5071,53 +5486,77 @@
             <a:pPr algn="ctr"/>
             <a:r>
               <a:rPr lang="en-GB" sz="9600" b="1" dirty="0" smtClean="0">
-                <a:solidFill>
-                  <a:schemeClr val="accent5"/>
-                </a:solidFill>
+                <a:effectLst>
+                  <a:outerShdw blurRad="38100" dist="38100" dir="2700000" algn="tl">
+                    <a:srgbClr val="000000">
+                      <a:alpha val="43137"/>
+                    </a:srgbClr>
+                  </a:outerShdw>
+                </a:effectLst>
                 <a:latin typeface="French Script MT" panose="03020402040607040605" pitchFamily="66" charset="0"/>
               </a:rPr>
               <a:t> </a:t>
             </a:r>
             <a:r>
               <a:rPr lang="en-GB" sz="9600" b="1" dirty="0" err="1">
-                <a:solidFill>
-                  <a:schemeClr val="accent5"/>
-                </a:solidFill>
+                <a:effectLst>
+                  <a:outerShdw blurRad="38100" dist="38100" dir="2700000" algn="tl">
+                    <a:srgbClr val="000000">
+                      <a:alpha val="43137"/>
+                    </a:srgbClr>
+                  </a:outerShdw>
+                </a:effectLst>
                 <a:latin typeface="French Script MT" panose="03020402040607040605" pitchFamily="66" charset="0"/>
               </a:rPr>
               <a:t>fomban’ny</a:t>
             </a:r>
             <a:r>
               <a:rPr lang="en-GB" sz="9600" b="1" dirty="0">
-                <a:solidFill>
-                  <a:schemeClr val="accent5"/>
-                </a:solidFill>
+                <a:effectLst>
+                  <a:outerShdw blurRad="38100" dist="38100" dir="2700000" algn="tl">
+                    <a:srgbClr val="000000">
+                      <a:alpha val="43137"/>
+                    </a:srgbClr>
+                  </a:outerShdw>
+                </a:effectLst>
                 <a:latin typeface="French Script MT" panose="03020402040607040605" pitchFamily="66" charset="0"/>
               </a:rPr>
               <a:t> </a:t>
             </a:r>
             <a:r>
               <a:rPr lang="en-GB" sz="9600" b="1" dirty="0" err="1" smtClean="0">
-                <a:solidFill>
-                  <a:schemeClr val="accent5"/>
-                </a:solidFill>
+                <a:effectLst>
+                  <a:outerShdw blurRad="38100" dist="38100" dir="2700000" algn="tl">
+                    <a:srgbClr val="000000">
+                      <a:alpha val="43137"/>
+                    </a:srgbClr>
+                  </a:outerShdw>
+                </a:effectLst>
                 <a:latin typeface="French Script MT" panose="03020402040607040605" pitchFamily="66" charset="0"/>
               </a:rPr>
               <a:t>tany</a:t>
             </a:r>
             <a:r>
               <a:rPr lang="en-GB" sz="9600" b="1" dirty="0" smtClean="0">
-                <a:solidFill>
-                  <a:schemeClr val="accent5"/>
-                </a:solidFill>
+                <a:effectLst>
+                  <a:outerShdw blurRad="38100" dist="38100" dir="2700000" algn="tl">
+                    <a:srgbClr val="000000">
+                      <a:alpha val="43137"/>
+                    </a:srgbClr>
+                  </a:outerShdw>
+                </a:effectLst>
                 <a:latin typeface="French Script MT" panose="03020402040607040605" pitchFamily="66" charset="0"/>
               </a:rPr>
               <a:t>    </a:t>
             </a:r>
             <a:endParaRPr lang="fr-FR" sz="9600" b="1" dirty="0">
-              <a:solidFill>
-                <a:schemeClr val="accent5"/>
-              </a:solidFill>
+              <a:effectLst>
+                <a:outerShdw blurRad="38100" dist="38100" dir="2700000" algn="tl">
+                  <a:srgbClr val="000000">
+                    <a:alpha val="43137"/>
+                  </a:srgbClr>
+                </a:outerShdw>
+              </a:effectLst>
               <a:latin typeface="French Script MT" panose="03020402040607040605" pitchFamily="66" charset="0"/>
             </a:endParaRPr>
           </a:p>
@@ -5185,62 +5624,41 @@
             <a:pPr algn="ctr"/>
             <a:r>
               <a:rPr lang="en-GB" sz="9600" b="1" dirty="0" smtClean="0">
-                <a:solidFill>
-                  <a:schemeClr val="accent5"/>
-                </a:solidFill>
                 <a:latin typeface="French Script MT" panose="03020402040607040605" pitchFamily="66" charset="0"/>
               </a:rPr>
               <a:t>Toa </a:t>
             </a:r>
             <a:r>
               <a:rPr lang="en-GB" sz="9600" b="1" dirty="0" err="1">
-                <a:solidFill>
-                  <a:schemeClr val="accent5"/>
-                </a:solidFill>
                 <a:latin typeface="French Script MT" panose="03020402040607040605" pitchFamily="66" charset="0"/>
               </a:rPr>
               <a:t>fiainana</a:t>
             </a:r>
             <a:r>
               <a:rPr lang="en-GB" sz="9600" b="1" dirty="0">
-                <a:solidFill>
-                  <a:schemeClr val="accent5"/>
-                </a:solidFill>
                 <a:latin typeface="French Script MT" panose="03020402040607040605" pitchFamily="66" charset="0"/>
               </a:rPr>
               <a:t> </a:t>
             </a:r>
             <a:r>
               <a:rPr lang="en-GB" sz="9600" b="1" dirty="0" err="1">
-                <a:solidFill>
-                  <a:schemeClr val="accent5"/>
-                </a:solidFill>
                 <a:latin typeface="French Script MT" panose="03020402040607040605" pitchFamily="66" charset="0"/>
               </a:rPr>
               <a:t>raha</a:t>
             </a:r>
             <a:r>
               <a:rPr lang="en-GB" sz="9600" b="1" dirty="0">
-                <a:solidFill>
-                  <a:schemeClr val="accent5"/>
-                </a:solidFill>
                 <a:latin typeface="French Script MT" panose="03020402040607040605" pitchFamily="66" charset="0"/>
               </a:rPr>
               <a:t> </a:t>
             </a:r>
             <a:r>
               <a:rPr lang="en-GB" sz="9600" b="1" dirty="0" err="1">
-                <a:solidFill>
-                  <a:schemeClr val="accent5"/>
-                </a:solidFill>
                 <a:latin typeface="French Script MT" panose="03020402040607040605" pitchFamily="66" charset="0"/>
               </a:rPr>
               <a:t>jerena</a:t>
             </a:r>
             <a:endParaRPr lang="fr-FR" sz="9600" b="1" dirty="0" smtClean="0">
-              <a:solidFill>
-                <a:schemeClr val="accent5"/>
-              </a:solidFill>
               <a:effectLst/>
               <a:latin typeface="French Script MT" panose="03020402040607040605" pitchFamily="66" charset="0"/>
             </a:endParaRPr>
@@ -5249,80 +5667,53 @@
             <a:pPr algn="ctr"/>
             <a:r>
               <a:rPr lang="en-GB" sz="9600" b="1" dirty="0">
-                <a:solidFill>
-                  <a:schemeClr val="accent5"/>
-                </a:solidFill>
                 <a:latin typeface="French Script MT" panose="03020402040607040605" pitchFamily="66" charset="0"/>
               </a:rPr>
               <a:t>    </a:t>
             </a:r>
             <a:r>
               <a:rPr lang="en-GB" sz="9600" b="1" dirty="0" err="1">
-                <a:solidFill>
-                  <a:schemeClr val="accent5"/>
-                </a:solidFill>
                 <a:latin typeface="French Script MT" panose="03020402040607040605" pitchFamily="66" charset="0"/>
               </a:rPr>
               <a:t>Kanjo</a:t>
             </a:r>
             <a:r>
               <a:rPr lang="en-GB" sz="9600" b="1" dirty="0">
-                <a:solidFill>
-                  <a:schemeClr val="accent5"/>
-                </a:solidFill>
                 <a:latin typeface="French Script MT" panose="03020402040607040605" pitchFamily="66" charset="0"/>
               </a:rPr>
               <a:t> </a:t>
             </a:r>
             <a:r>
               <a:rPr lang="en-GB" sz="9600" b="1" dirty="0" err="1">
-                <a:solidFill>
-                  <a:schemeClr val="accent5"/>
-                </a:solidFill>
                 <a:latin typeface="French Script MT" panose="03020402040607040605" pitchFamily="66" charset="0"/>
               </a:rPr>
               <a:t>indrisy</a:t>
             </a:r>
             <a:r>
               <a:rPr lang="en-GB" sz="9600" b="1" dirty="0">
-                <a:solidFill>
-                  <a:schemeClr val="accent5"/>
-                </a:solidFill>
                 <a:latin typeface="French Script MT" panose="03020402040607040605" pitchFamily="66" charset="0"/>
               </a:rPr>
               <a:t> </a:t>
             </a:r>
             <a:r>
               <a:rPr lang="en-GB" sz="9600" b="1" dirty="0" err="1">
-                <a:solidFill>
-                  <a:schemeClr val="accent5"/>
-                </a:solidFill>
                 <a:latin typeface="French Script MT" panose="03020402040607040605" pitchFamily="66" charset="0"/>
               </a:rPr>
               <a:t>fa</a:t>
             </a:r>
             <a:r>
               <a:rPr lang="en-GB" sz="9600" b="1" dirty="0">
-                <a:solidFill>
-                  <a:schemeClr val="accent5"/>
-                </a:solidFill>
                 <a:latin typeface="French Script MT" panose="03020402040607040605" pitchFamily="66" charset="0"/>
               </a:rPr>
               <a:t> </a:t>
             </a:r>
             <a:r>
               <a:rPr lang="en-GB" sz="9600" b="1" dirty="0" err="1">
-                <a:solidFill>
-                  <a:schemeClr val="accent5"/>
-                </a:solidFill>
                 <a:latin typeface="French Script MT" panose="03020402040607040605" pitchFamily="66" charset="0"/>
               </a:rPr>
               <a:t>mahonena</a:t>
             </a:r>
             <a:endParaRPr lang="fr-FR" sz="9600" b="1" dirty="0" smtClean="0">
-              <a:solidFill>
-                <a:schemeClr val="accent5"/>
-              </a:solidFill>
               <a:effectLst/>
               <a:latin typeface="French Script MT" panose="03020402040607040605" pitchFamily="66" charset="0"/>
             </a:endParaRPr>
@@ -5331,71 +5722,47 @@
             <a:pPr algn="ctr"/>
             <a:r>
               <a:rPr lang="en-GB" sz="9600" b="1" dirty="0">
-                <a:solidFill>
-                  <a:schemeClr val="accent5"/>
-                </a:solidFill>
                 <a:latin typeface="French Script MT" panose="03020402040607040605" pitchFamily="66" charset="0"/>
               </a:rPr>
               <a:t>   </a:t>
             </a:r>
             <a:r>
               <a:rPr lang="en-GB" sz="9600" b="1" dirty="0" err="1">
-                <a:solidFill>
-                  <a:schemeClr val="accent5"/>
-                </a:solidFill>
                 <a:latin typeface="French Script MT" panose="03020402040607040605" pitchFamily="66" charset="0"/>
               </a:rPr>
               <a:t>Hasambarana</a:t>
             </a:r>
             <a:r>
               <a:rPr lang="en-GB" sz="9600" b="1" dirty="0">
-                <a:solidFill>
-                  <a:schemeClr val="accent5"/>
-                </a:solidFill>
                 <a:latin typeface="French Script MT" panose="03020402040607040605" pitchFamily="66" charset="0"/>
               </a:rPr>
               <a:t> </a:t>
             </a:r>
             <a:r>
               <a:rPr lang="en-GB" sz="9600" b="1" dirty="0" err="1" smtClean="0">
-                <a:solidFill>
-                  <a:schemeClr val="accent5"/>
-                </a:solidFill>
                 <a:latin typeface="French Script MT" panose="03020402040607040605" pitchFamily="66" charset="0"/>
               </a:rPr>
               <a:t>miserana</a:t>
             </a:r>
             <a:r>
               <a:rPr lang="en-GB" sz="9600" b="1" dirty="0" smtClean="0">
-                <a:solidFill>
-                  <a:schemeClr val="accent5"/>
-                </a:solidFill>
                 <a:latin typeface="French Script MT" panose="03020402040607040605" pitchFamily="66" charset="0"/>
               </a:rPr>
               <a:t> </a:t>
             </a:r>
             <a:r>
               <a:rPr lang="en-GB" sz="9600" b="1" dirty="0" err="1">
-                <a:solidFill>
-                  <a:schemeClr val="accent5"/>
-                </a:solidFill>
                 <a:latin typeface="French Script MT" panose="03020402040607040605" pitchFamily="66" charset="0"/>
               </a:rPr>
               <a:t>ihany</a:t>
             </a:r>
             <a:r>
               <a:rPr lang="en-GB" sz="9600" b="1" dirty="0" smtClean="0">
-                <a:solidFill>
-                  <a:schemeClr val="accent5"/>
-                </a:solidFill>
                 <a:latin typeface="French Script MT" panose="03020402040607040605" pitchFamily="66" charset="0"/>
               </a:rPr>
               <a:t>.</a:t>
             </a:r>
             <a:endParaRPr lang="fr-FR" sz="9600" b="1" dirty="0">
-              <a:solidFill>
-                <a:schemeClr val="accent5"/>
-              </a:solidFill>
               <a:latin typeface="French Script MT" panose="03020402040607040605" pitchFamily="66" charset="0"/>
             </a:endParaRPr>
           </a:p>
@@ -5446,8 +5813,8 @@
         </p:nvSpPr>
         <p:spPr>
           <a:xfrm>
-            <a:off x="-677917" y="378373"/>
-            <a:ext cx="12633434" cy="6186309"/>
+            <a:off x="-445902" y="50825"/>
+            <a:ext cx="12633434" cy="6740307"/>
           </a:xfrm>
           <a:prstGeom prst="rect">
             <a:avLst/>
@@ -5462,106 +5829,106 @@
           <a:p>
             <a:pPr algn="ctr"/>
             <a:r>
-              <a:rPr lang="en-GB" sz="6600" b="1" i="1" dirty="0" smtClean="0"/>
+              <a:rPr lang="en-GB" sz="5400" b="1" i="1" dirty="0" smtClean="0"/>
               <a:t>2. </a:t>
             </a:r>
             <a:r>
-              <a:rPr lang="en-GB" sz="6600" b="1" i="1" dirty="0">
+              <a:rPr lang="en-GB" sz="5400" b="1" i="1" dirty="0">
                 <a:latin typeface="AR BLANCA" panose="02000000000000000000" pitchFamily="2" charset="0"/>
               </a:rPr>
               <a:t>O! </a:t>
             </a:r>
             <a:r>
-              <a:rPr lang="en-GB" sz="6600" b="1" i="1" dirty="0" err="1">
+              <a:rPr lang="en-GB" sz="5400" b="1" i="1" dirty="0" err="1">
                 <a:latin typeface="AR BLANCA" panose="02000000000000000000" pitchFamily="2" charset="0"/>
               </a:rPr>
               <a:t>ry</a:t>
             </a:r>
             <a:r>
-              <a:rPr lang="en-GB" sz="6600" b="1" i="1" dirty="0">
-                <a:latin typeface="AR BLANCA" panose="02000000000000000000" pitchFamily="2" charset="0"/>
-              </a:rPr>
-              <a:t> </a:t>
-            </a:r>
-            <a:r>
-              <a:rPr lang="en-GB" sz="6600" b="1" i="1" dirty="0" err="1">
+              <a:rPr lang="en-GB" sz="5400" b="1" i="1" dirty="0">
+                <a:latin typeface="AR BLANCA" panose="02000000000000000000" pitchFamily="2" charset="0"/>
+              </a:rPr>
+              <a:t> </a:t>
+            </a:r>
+            <a:r>
+              <a:rPr lang="en-GB" sz="5400" b="1" i="1" dirty="0" err="1">
                 <a:latin typeface="AR BLANCA" panose="02000000000000000000" pitchFamily="2" charset="0"/>
               </a:rPr>
               <a:t>velona</a:t>
             </a:r>
             <a:r>
-              <a:rPr lang="en-GB" sz="6600" b="1" i="1" dirty="0">
-                <a:latin typeface="AR BLANCA" panose="02000000000000000000" pitchFamily="2" charset="0"/>
-              </a:rPr>
-              <a:t> </a:t>
-            </a:r>
-            <a:endParaRPr lang="en-GB" sz="6600" b="1" i="1" dirty="0" smtClean="0">
+              <a:rPr lang="en-GB" sz="5400" b="1" i="1" dirty="0">
+                <a:latin typeface="AR BLANCA" panose="02000000000000000000" pitchFamily="2" charset="0"/>
+              </a:rPr>
+              <a:t> </a:t>
+            </a:r>
+            <a:endParaRPr lang="en-GB" sz="5400" b="1" i="1" dirty="0" smtClean="0">
               <a:latin typeface="AR BLANCA" panose="02000000000000000000" pitchFamily="2" charset="0"/>
             </a:endParaRPr>
           </a:p>
           <a:p>
             <a:pPr algn="ctr"/>
             <a:r>
-              <a:rPr lang="en-GB" sz="6600" b="1" i="1" dirty="0" err="1" smtClean="0">
+              <a:rPr lang="en-GB" sz="5400" b="1" i="1" dirty="0" err="1" smtClean="0">
                 <a:latin typeface="AR BLANCA" panose="02000000000000000000" pitchFamily="2" charset="0"/>
               </a:rPr>
               <a:t>tsarovy</a:t>
             </a:r>
             <a:r>
-              <a:rPr lang="en-GB" sz="6600" b="1" i="1" dirty="0" smtClean="0">
+              <a:rPr lang="en-GB" sz="5400" b="1" i="1" dirty="0" smtClean="0">
                 <a:latin typeface="AR BLANCA" panose="02000000000000000000" pitchFamily="2" charset="0"/>
               </a:rPr>
               <a:t>, </a:t>
             </a:r>
             <a:r>
-              <a:rPr lang="en-GB" sz="6600" b="1" i="1" dirty="0" err="1">
+              <a:rPr lang="en-GB" sz="5400" b="1" i="1" dirty="0" err="1">
                 <a:latin typeface="AR BLANCA" panose="02000000000000000000" pitchFamily="2" charset="0"/>
               </a:rPr>
               <a:t>ny</a:t>
             </a:r>
             <a:r>
-              <a:rPr lang="en-GB" sz="6600" b="1" i="1" dirty="0">
-                <a:latin typeface="AR BLANCA" panose="02000000000000000000" pitchFamily="2" charset="0"/>
-              </a:rPr>
-              <a:t> </a:t>
-            </a:r>
-            <a:r>
-              <a:rPr lang="en-GB" sz="6600" b="1" i="1" dirty="0" err="1" smtClean="0">
+              <a:rPr lang="en-GB" sz="5400" b="1" i="1" dirty="0">
+                <a:latin typeface="AR BLANCA" panose="02000000000000000000" pitchFamily="2" charset="0"/>
+              </a:rPr>
+              <a:t> </a:t>
+            </a:r>
+            <a:r>
+              <a:rPr lang="en-GB" sz="5400" b="1" i="1" dirty="0" err="1" smtClean="0">
                 <a:latin typeface="AR BLANCA" panose="02000000000000000000" pitchFamily="2" charset="0"/>
               </a:rPr>
               <a:t>andronao</a:t>
             </a:r>
-            <a:endParaRPr lang="en-GB" sz="6600" b="1" i="1" dirty="0" smtClean="0">
+            <a:endParaRPr lang="en-GB" sz="5400" b="1" i="1" dirty="0" smtClean="0">
               <a:latin typeface="AR BLANCA" panose="02000000000000000000" pitchFamily="2" charset="0"/>
             </a:endParaRPr>
           </a:p>
           <a:p>
             <a:pPr algn="ctr"/>
             <a:r>
-              <a:rPr lang="en-GB" sz="6600" b="1" i="1" dirty="0" smtClean="0">
-                <a:latin typeface="AR BLANCA" panose="02000000000000000000" pitchFamily="2" charset="0"/>
-              </a:rPr>
-              <a:t> </a:t>
-            </a:r>
-            <a:r>
-              <a:rPr lang="en-GB" sz="6600" b="1" i="1" dirty="0" err="1">
+              <a:rPr lang="en-GB" sz="5400" b="1" i="1" dirty="0" smtClean="0">
+                <a:latin typeface="AR BLANCA" panose="02000000000000000000" pitchFamily="2" charset="0"/>
+              </a:rPr>
+              <a:t> </a:t>
+            </a:r>
+            <a:r>
+              <a:rPr lang="en-GB" sz="5400" b="1" i="1" dirty="0" err="1">
                 <a:latin typeface="AR BLANCA" panose="02000000000000000000" pitchFamily="2" charset="0"/>
               </a:rPr>
               <a:t>fa</a:t>
             </a:r>
             <a:r>
-              <a:rPr lang="en-GB" sz="6600" b="1" i="1" dirty="0">
-                <a:latin typeface="AR BLANCA" panose="02000000000000000000" pitchFamily="2" charset="0"/>
-              </a:rPr>
-              <a:t> </a:t>
-            </a:r>
-            <a:r>
-              <a:rPr lang="en-GB" sz="6600" b="1" i="1" dirty="0" err="1">
+              <a:rPr lang="en-GB" sz="5400" b="1" i="1" dirty="0">
+                <a:latin typeface="AR BLANCA" panose="02000000000000000000" pitchFamily="2" charset="0"/>
+              </a:rPr>
+              <a:t> </a:t>
+            </a:r>
+            <a:r>
+              <a:rPr lang="en-GB" sz="5400" b="1" i="1" dirty="0" err="1">
                 <a:latin typeface="AR BLANCA" panose="02000000000000000000" pitchFamily="2" charset="0"/>
               </a:rPr>
               <a:t>mandalo</a:t>
             </a:r>
-            <a:endParaRPr lang="fr-FR" sz="6600" b="1" i="1" dirty="0" smtClean="0">
+            <a:endParaRPr lang="fr-FR" sz="5400" b="1" i="1" dirty="0" smtClean="0">
               <a:effectLst/>
               <a:latin typeface="AR BLANCA" panose="02000000000000000000" pitchFamily="2" charset="0"/>
             </a:endParaRPr>
@@ -5569,42 +5936,42 @@
           <a:p>
             <a:pPr algn="ctr"/>
             <a:r>
-              <a:rPr lang="en-GB" sz="6600" b="1" i="1" dirty="0">
+              <a:rPr lang="en-GB" sz="5400" b="1" i="1" dirty="0">
                 <a:latin typeface="AR BLANCA" panose="02000000000000000000" pitchFamily="2" charset="0"/>
               </a:rPr>
               <a:t>   </a:t>
             </a:r>
             <a:r>
-              <a:rPr lang="en-GB" sz="6600" b="1" i="1" dirty="0" err="1">
+              <a:rPr lang="en-GB" sz="5400" b="1" i="1" dirty="0" err="1">
                 <a:latin typeface="AR BLANCA" panose="02000000000000000000" pitchFamily="2" charset="0"/>
               </a:rPr>
               <a:t>tsy</a:t>
             </a:r>
             <a:r>
-              <a:rPr lang="en-GB" sz="6600" b="1" i="1" dirty="0">
-                <a:latin typeface="AR BLANCA" panose="02000000000000000000" pitchFamily="2" charset="0"/>
-              </a:rPr>
-              <a:t> </a:t>
-            </a:r>
-            <a:r>
-              <a:rPr lang="en-GB" sz="6600" b="1" i="1" dirty="0" err="1">
+              <a:rPr lang="en-GB" sz="5400" b="1" i="1" dirty="0">
+                <a:latin typeface="AR BLANCA" panose="02000000000000000000" pitchFamily="2" charset="0"/>
+              </a:rPr>
+              <a:t> </a:t>
+            </a:r>
+            <a:r>
+              <a:rPr lang="en-GB" sz="5400" b="1" i="1" dirty="0" err="1">
                 <a:latin typeface="AR BLANCA" panose="02000000000000000000" pitchFamily="2" charset="0"/>
               </a:rPr>
               <a:t>mba</a:t>
             </a:r>
             <a:r>
-              <a:rPr lang="en-GB" sz="6600" b="1" i="1" dirty="0">
-                <a:latin typeface="AR BLANCA" panose="02000000000000000000" pitchFamily="2" charset="0"/>
-              </a:rPr>
-              <a:t> </a:t>
-            </a:r>
-            <a:r>
-              <a:rPr lang="en-GB" sz="6600" b="1" i="1" dirty="0" err="1">
+              <a:rPr lang="en-GB" sz="5400" b="1" i="1" dirty="0">
+                <a:latin typeface="AR BLANCA" panose="02000000000000000000" pitchFamily="2" charset="0"/>
+              </a:rPr>
+              <a:t> </a:t>
+            </a:r>
+            <a:r>
+              <a:rPr lang="en-GB" sz="5400" b="1" i="1" dirty="0" err="1">
                 <a:latin typeface="AR BLANCA" panose="02000000000000000000" pitchFamily="2" charset="0"/>
               </a:rPr>
               <a:t>manam-pijanonana</a:t>
             </a:r>
-            <a:endParaRPr lang="fr-FR" sz="6600" b="1" i="1" dirty="0" smtClean="0">
+            <a:endParaRPr lang="fr-FR" sz="5400" b="1" i="1" dirty="0" smtClean="0">
               <a:effectLst/>
               <a:latin typeface="AR BLANCA" panose="02000000000000000000" pitchFamily="2" charset="0"/>
             </a:endParaRPr>
@@ -5612,66 +5979,66 @@
           <a:p>
             <a:pPr algn="ctr"/>
             <a:r>
-              <a:rPr lang="en-GB" sz="6600" b="1" i="1" dirty="0">
+              <a:rPr lang="en-GB" sz="5400" b="1" i="1" dirty="0">
                 <a:latin typeface="AR BLANCA" panose="02000000000000000000" pitchFamily="2" charset="0"/>
               </a:rPr>
               <a:t>   </a:t>
             </a:r>
             <a:r>
-              <a:rPr lang="en-GB" sz="6600" b="1" i="1" dirty="0" err="1">
+              <a:rPr lang="en-GB" sz="5400" b="1" i="1" dirty="0" err="1">
                 <a:latin typeface="AR BLANCA" panose="02000000000000000000" pitchFamily="2" charset="0"/>
               </a:rPr>
               <a:t>Ka</a:t>
             </a:r>
             <a:r>
-              <a:rPr lang="en-GB" sz="6600" b="1" i="1" dirty="0">
-                <a:latin typeface="AR BLANCA" panose="02000000000000000000" pitchFamily="2" charset="0"/>
-              </a:rPr>
-              <a:t> </a:t>
-            </a:r>
-            <a:r>
-              <a:rPr lang="en-GB" sz="6600" b="1" i="1" dirty="0" err="1">
+              <a:rPr lang="en-GB" sz="5400" b="1" i="1" dirty="0">
+                <a:latin typeface="AR BLANCA" panose="02000000000000000000" pitchFamily="2" charset="0"/>
+              </a:rPr>
+              <a:t> </a:t>
+            </a:r>
+            <a:r>
+              <a:rPr lang="en-GB" sz="5400" b="1" i="1" dirty="0" err="1">
                 <a:latin typeface="AR BLANCA" panose="02000000000000000000" pitchFamily="2" charset="0"/>
               </a:rPr>
               <a:t>tandremo</a:t>
             </a:r>
             <a:r>
-              <a:rPr lang="en-GB" sz="6600" b="1" i="1" dirty="0">
-                <a:latin typeface="AR BLANCA" panose="02000000000000000000" pitchFamily="2" charset="0"/>
-              </a:rPr>
-              <a:t> </a:t>
-            </a:r>
-            <a:r>
-              <a:rPr lang="en-GB" sz="6600" b="1" i="1" dirty="0" err="1">
+              <a:rPr lang="en-GB" sz="5400" b="1" i="1" dirty="0">
+                <a:latin typeface="AR BLANCA" panose="02000000000000000000" pitchFamily="2" charset="0"/>
+              </a:rPr>
+              <a:t> </a:t>
+            </a:r>
+            <a:r>
+              <a:rPr lang="en-GB" sz="5400" b="1" i="1" dirty="0" err="1">
                 <a:latin typeface="AR BLANCA" panose="02000000000000000000" pitchFamily="2" charset="0"/>
               </a:rPr>
               <a:t>sao</a:t>
             </a:r>
             <a:r>
-              <a:rPr lang="en-GB" sz="6600" b="1" i="1" dirty="0">
-                <a:latin typeface="AR BLANCA" panose="02000000000000000000" pitchFamily="2" charset="0"/>
-              </a:rPr>
-              <a:t> </a:t>
-            </a:r>
-            <a:r>
-              <a:rPr lang="en-GB" sz="6600" b="1" i="1" dirty="0" err="1" smtClean="0">
+              <a:rPr lang="en-GB" sz="5400" b="1" i="1" dirty="0">
+                <a:latin typeface="AR BLANCA" panose="02000000000000000000" pitchFamily="2" charset="0"/>
+              </a:rPr>
+              <a:t> </a:t>
+            </a:r>
+            <a:r>
+              <a:rPr lang="en-GB" sz="5400" b="1" i="1" dirty="0" err="1" smtClean="0">
                 <a:latin typeface="AR BLANCA" panose="02000000000000000000" pitchFamily="2" charset="0"/>
               </a:rPr>
               <a:t>variana</a:t>
             </a:r>
             <a:r>
-              <a:rPr lang="en-GB" sz="6600" b="1" i="1" dirty="0" smtClean="0">
-                <a:latin typeface="AR BLANCA" panose="02000000000000000000" pitchFamily="2" charset="0"/>
-              </a:rPr>
-              <a:t> </a:t>
-            </a:r>
-            <a:r>
-              <a:rPr lang="en-GB" sz="6600" b="1" i="1" dirty="0" err="1">
+              <a:rPr lang="en-GB" sz="5400" b="1" i="1" dirty="0" smtClean="0">
+                <a:latin typeface="AR BLANCA" panose="02000000000000000000" pitchFamily="2" charset="0"/>
+              </a:rPr>
+              <a:t> </a:t>
+            </a:r>
+            <a:r>
+              <a:rPr lang="en-GB" sz="5400" b="1" i="1" dirty="0" err="1">
                 <a:latin typeface="AR BLANCA" panose="02000000000000000000" pitchFamily="2" charset="0"/>
               </a:rPr>
               <a:t>ianao</a:t>
             </a:r>
-            <a:endParaRPr lang="fr-FR" sz="6600" b="1" i="1" dirty="0" smtClean="0">
+            <a:endParaRPr lang="fr-FR" sz="5400" b="1" i="1" dirty="0" smtClean="0">
               <a:effectLst/>
               <a:latin typeface="AR BLANCA" panose="02000000000000000000" pitchFamily="2" charset="0"/>
             </a:endParaRPr>
@@ -5679,82 +6046,82 @@
           <a:p>
             <a:pPr algn="ctr"/>
             <a:r>
-              <a:rPr lang="en-GB" sz="6600" b="1" i="1" dirty="0">
+              <a:rPr lang="en-GB" sz="5400" b="1" i="1" dirty="0">
                 <a:latin typeface="AR BLANCA" panose="02000000000000000000" pitchFamily="2" charset="0"/>
               </a:rPr>
               <a:t>   ‘</a:t>
             </a:r>
             <a:r>
-              <a:rPr lang="en-GB" sz="6600" b="1" i="1" dirty="0" err="1">
+              <a:rPr lang="en-GB" sz="5400" b="1" i="1" dirty="0" err="1">
                 <a:latin typeface="AR BLANCA" panose="02000000000000000000" pitchFamily="2" charset="0"/>
               </a:rPr>
               <a:t>Zao</a:t>
             </a:r>
             <a:r>
-              <a:rPr lang="en-GB" sz="6600" b="1" i="1" dirty="0">
-                <a:latin typeface="AR BLANCA" panose="02000000000000000000" pitchFamily="2" charset="0"/>
-              </a:rPr>
-              <a:t> </a:t>
-            </a:r>
-            <a:r>
-              <a:rPr lang="en-GB" sz="6600" b="1" i="1" dirty="0" err="1">
+              <a:rPr lang="en-GB" sz="5400" b="1" i="1" dirty="0">
+                <a:latin typeface="AR BLANCA" panose="02000000000000000000" pitchFamily="2" charset="0"/>
+              </a:rPr>
+              <a:t> </a:t>
+            </a:r>
+            <a:r>
+              <a:rPr lang="en-GB" sz="5400" b="1" i="1" dirty="0" err="1">
                 <a:latin typeface="AR BLANCA" panose="02000000000000000000" pitchFamily="2" charset="0"/>
               </a:rPr>
               <a:t>tontolo</a:t>
             </a:r>
             <a:r>
-              <a:rPr lang="en-GB" sz="6600" b="1" i="1" dirty="0">
-                <a:latin typeface="AR BLANCA" panose="02000000000000000000" pitchFamily="2" charset="0"/>
-              </a:rPr>
-              <a:t> </a:t>
-            </a:r>
-            <a:r>
-              <a:rPr lang="en-GB" sz="6600" b="1" i="1" dirty="0" err="1" smtClean="0">
+              <a:rPr lang="en-GB" sz="5400" b="1" i="1" dirty="0">
+                <a:latin typeface="AR BLANCA" panose="02000000000000000000" pitchFamily="2" charset="0"/>
+              </a:rPr>
+              <a:t> </a:t>
+            </a:r>
+            <a:r>
+              <a:rPr lang="en-GB" sz="5400" b="1" i="1" dirty="0" err="1" smtClean="0">
                 <a:latin typeface="AR BLANCA" panose="02000000000000000000" pitchFamily="2" charset="0"/>
               </a:rPr>
               <a:t>izao</a:t>
             </a:r>
             <a:r>
-              <a:rPr lang="en-GB" sz="6600" b="1" i="1" dirty="0" smtClean="0">
-                <a:latin typeface="AR BLANCA" panose="02000000000000000000" pitchFamily="2" charset="0"/>
-              </a:rPr>
-              <a:t> </a:t>
-            </a:r>
-            <a:r>
-              <a:rPr lang="en-GB" sz="6600" b="1" i="1" dirty="0" err="1" smtClean="0">
+              <a:rPr lang="en-GB" sz="5400" b="1" i="1" dirty="0" smtClean="0">
+                <a:latin typeface="AR BLANCA" panose="02000000000000000000" pitchFamily="2" charset="0"/>
+              </a:rPr>
+              <a:t> </a:t>
+            </a:r>
+            <a:r>
+              <a:rPr lang="en-GB" sz="5400" b="1" i="1" dirty="0" err="1" smtClean="0">
                 <a:latin typeface="AR BLANCA" panose="02000000000000000000" pitchFamily="2" charset="0"/>
               </a:rPr>
               <a:t>ho</a:t>
             </a:r>
             <a:r>
-              <a:rPr lang="en-GB" sz="6600" b="1" i="1" dirty="0" smtClean="0">
-                <a:latin typeface="AR BLANCA" panose="02000000000000000000" pitchFamily="2" charset="0"/>
-              </a:rPr>
-              <a:t> </a:t>
-            </a:r>
-            <a:r>
-              <a:rPr lang="en-GB" sz="6600" b="1" i="1" dirty="0" err="1">
+              <a:rPr lang="en-GB" sz="5400" b="1" i="1" dirty="0" smtClean="0">
+                <a:latin typeface="AR BLANCA" panose="02000000000000000000" pitchFamily="2" charset="0"/>
+              </a:rPr>
+              <a:t> </a:t>
+            </a:r>
+            <a:r>
+              <a:rPr lang="en-GB" sz="5400" b="1" i="1" dirty="0" err="1">
                 <a:latin typeface="AR BLANCA" panose="02000000000000000000" pitchFamily="2" charset="0"/>
               </a:rPr>
               <a:t>levona</a:t>
             </a:r>
             <a:r>
-              <a:rPr lang="en-GB" sz="6600" b="1" i="1" dirty="0">
-                <a:latin typeface="AR BLANCA" panose="02000000000000000000" pitchFamily="2" charset="0"/>
-              </a:rPr>
-              <a:t> </a:t>
-            </a:r>
-            <a:r>
-              <a:rPr lang="en-GB" sz="6600" b="1" i="1" dirty="0" err="1" smtClean="0">
+              <a:rPr lang="en-GB" sz="5400" b="1" i="1" dirty="0">
+                <a:latin typeface="AR BLANCA" panose="02000000000000000000" pitchFamily="2" charset="0"/>
+              </a:rPr>
+              <a:t> </a:t>
+            </a:r>
+            <a:r>
+              <a:rPr lang="en-GB" sz="5400" b="1" i="1" dirty="0" err="1" smtClean="0">
                 <a:latin typeface="AR BLANCA" panose="02000000000000000000" pitchFamily="2" charset="0"/>
               </a:rPr>
               <a:t>avokoa</a:t>
             </a:r>
             <a:r>
-              <a:rPr lang="en-GB" sz="2000" i="1" dirty="0" smtClean="0"/>
+              <a:rPr lang="en-GB" sz="1600" i="1" dirty="0" smtClean="0"/>
               <a:t>.</a:t>
             </a:r>
-            <a:endParaRPr lang="fr-FR" sz="2000" dirty="0"/>
+            <a:endParaRPr lang="fr-FR" sz="1600" dirty="0"/>
           </a:p>
         </p:txBody>
       </p:sp>
@@ -5820,63 +6187,91 @@
             <a:pPr algn="ctr"/>
             <a:r>
               <a:rPr lang="en-GB" sz="9600" b="1" dirty="0" err="1">
-                <a:solidFill>
-                  <a:schemeClr val="accent5"/>
-                </a:solidFill>
+                <a:effectLst>
+                  <a:outerShdw blurRad="38100" dist="38100" dir="2700000" algn="tl">
+                    <a:srgbClr val="000000">
+                      <a:alpha val="43137"/>
+                    </a:srgbClr>
+                  </a:outerShdw>
+                </a:effectLst>
                 <a:latin typeface="French Script MT" panose="03020402040607040605" pitchFamily="66" charset="0"/>
               </a:rPr>
               <a:t>Raha</a:t>
             </a:r>
             <a:r>
               <a:rPr lang="en-GB" sz="9600" b="1" dirty="0">
-                <a:solidFill>
-                  <a:schemeClr val="accent5"/>
-                </a:solidFill>
+                <a:effectLst>
+                  <a:outerShdw blurRad="38100" dist="38100" dir="2700000" algn="tl">
+                    <a:srgbClr val="000000">
+                      <a:alpha val="43137"/>
+                    </a:srgbClr>
+                  </a:outerShdw>
+                </a:effectLst>
                 <a:latin typeface="French Script MT" panose="03020402040607040605" pitchFamily="66" charset="0"/>
               </a:rPr>
               <a:t> </a:t>
             </a:r>
             <a:r>
               <a:rPr lang="en-GB" sz="9600" b="1" dirty="0" err="1">
-                <a:solidFill>
-                  <a:schemeClr val="accent5"/>
-                </a:solidFill>
+                <a:effectLst>
+                  <a:outerShdw blurRad="38100" dist="38100" dir="2700000" algn="tl">
+                    <a:srgbClr val="000000">
+                      <a:alpha val="43137"/>
+                    </a:srgbClr>
+                  </a:outerShdw>
+                </a:effectLst>
                 <a:latin typeface="French Script MT" panose="03020402040607040605" pitchFamily="66" charset="0"/>
               </a:rPr>
               <a:t>eto</a:t>
             </a:r>
             <a:r>
               <a:rPr lang="en-GB" sz="9600" b="1" dirty="0">
-                <a:solidFill>
-                  <a:schemeClr val="accent5"/>
-                </a:solidFill>
+                <a:effectLst>
+                  <a:outerShdw blurRad="38100" dist="38100" dir="2700000" algn="tl">
+                    <a:srgbClr val="000000">
+                      <a:alpha val="43137"/>
+                    </a:srgbClr>
+                  </a:outerShdw>
+                </a:effectLst>
                 <a:latin typeface="French Script MT" panose="03020402040607040605" pitchFamily="66" charset="0"/>
               </a:rPr>
               <a:t> </a:t>
             </a:r>
             <a:r>
               <a:rPr lang="en-GB" sz="9600" b="1" dirty="0" smtClean="0">
-                <a:solidFill>
-                  <a:schemeClr val="accent5"/>
-                </a:solidFill>
+                <a:effectLst>
+                  <a:outerShdw blurRad="38100" dist="38100" dir="2700000" algn="tl">
+                    <a:srgbClr val="000000">
+                      <a:alpha val="43137"/>
+                    </a:srgbClr>
+                  </a:outerShdw>
+                </a:effectLst>
                 <a:latin typeface="French Script MT" panose="03020402040607040605" pitchFamily="66" charset="0"/>
               </a:rPr>
               <a:t>an-</a:t>
             </a:r>
             <a:r>
               <a:rPr lang="en-GB" sz="9600" b="1" dirty="0" err="1" smtClean="0">
-                <a:solidFill>
-                  <a:schemeClr val="accent5"/>
-                </a:solidFill>
+                <a:effectLst>
+                  <a:outerShdw blurRad="38100" dist="38100" dir="2700000" algn="tl">
+                    <a:srgbClr val="000000">
+                      <a:alpha val="43137"/>
+                    </a:srgbClr>
+                  </a:outerShdw>
+                </a:effectLst>
                 <a:latin typeface="French Script MT" panose="03020402040607040605" pitchFamily="66" charset="0"/>
               </a:rPr>
               <a:t>tany</a:t>
             </a:r>
             <a:r>
               <a:rPr lang="en-GB" sz="9600" b="1" dirty="0" smtClean="0">
-                <a:solidFill>
-                  <a:schemeClr val="accent5"/>
-                </a:solidFill>
+                <a:effectLst>
+                  <a:outerShdw blurRad="38100" dist="38100" dir="2700000" algn="tl">
+                    <a:srgbClr val="000000">
+                      <a:alpha val="43137"/>
+                    </a:srgbClr>
+                  </a:outerShdw>
+                </a:effectLst>
                 <a:latin typeface="French Script MT" panose="03020402040607040605" pitchFamily="66" charset="0"/>
               </a:rPr>
               <a:t> </a:t>
@@ -5886,54 +6281,77 @@
             <a:pPr algn="ctr"/>
             <a:r>
               <a:rPr lang="en-GB" sz="9600" b="1" dirty="0" err="1" smtClean="0">
-                <a:solidFill>
-                  <a:schemeClr val="accent5"/>
-                </a:solidFill>
+                <a:effectLst>
+                  <a:outerShdw blurRad="38100" dist="38100" dir="2700000" algn="tl">
+                    <a:srgbClr val="000000">
+                      <a:alpha val="43137"/>
+                    </a:srgbClr>
+                  </a:outerShdw>
+                </a:effectLst>
                 <a:latin typeface="French Script MT" panose="03020402040607040605" pitchFamily="66" charset="0"/>
               </a:rPr>
               <a:t>dia</a:t>
             </a:r>
             <a:r>
               <a:rPr lang="en-GB" sz="9600" b="1" dirty="0" smtClean="0">
-                <a:solidFill>
-                  <a:schemeClr val="accent5"/>
-                </a:solidFill>
+                <a:effectLst>
+                  <a:outerShdw blurRad="38100" dist="38100" dir="2700000" algn="tl">
+                    <a:srgbClr val="000000">
+                      <a:alpha val="43137"/>
+                    </a:srgbClr>
+                  </a:outerShdw>
+                </a:effectLst>
                 <a:latin typeface="French Script MT" panose="03020402040607040605" pitchFamily="66" charset="0"/>
               </a:rPr>
               <a:t> </a:t>
             </a:r>
             <a:r>
               <a:rPr lang="en-GB" sz="9600" b="1" dirty="0" err="1" smtClean="0">
-                <a:solidFill>
-                  <a:schemeClr val="accent5"/>
-                </a:solidFill>
+                <a:effectLst>
+                  <a:outerShdw blurRad="38100" dist="38100" dir="2700000" algn="tl">
+                    <a:srgbClr val="000000">
+                      <a:alpha val="43137"/>
+                    </a:srgbClr>
+                  </a:outerShdw>
+                </a:effectLst>
                 <a:latin typeface="French Script MT" panose="03020402040607040605" pitchFamily="66" charset="0"/>
               </a:rPr>
               <a:t>mandalo</a:t>
             </a:r>
             <a:r>
               <a:rPr lang="en-GB" sz="9600" b="1" dirty="0" smtClean="0">
-                <a:solidFill>
-                  <a:schemeClr val="accent5"/>
-                </a:solidFill>
+                <a:effectLst>
+                  <a:outerShdw blurRad="38100" dist="38100" dir="2700000" algn="tl">
+                    <a:srgbClr val="000000">
+                      <a:alpha val="43137"/>
+                    </a:srgbClr>
+                  </a:outerShdw>
+                </a:effectLst>
                 <a:latin typeface="French Script MT" panose="03020402040607040605" pitchFamily="66" charset="0"/>
               </a:rPr>
               <a:t> </a:t>
             </a:r>
             <a:r>
               <a:rPr lang="en-GB" sz="9600" b="1" dirty="0" err="1">
-                <a:solidFill>
-                  <a:schemeClr val="accent5"/>
-                </a:solidFill>
+                <a:effectLst>
+                  <a:outerShdw blurRad="38100" dist="38100" dir="2700000" algn="tl">
+                    <a:srgbClr val="000000">
+                      <a:alpha val="43137"/>
+                    </a:srgbClr>
+                  </a:outerShdw>
+                </a:effectLst>
                 <a:latin typeface="French Script MT" panose="03020402040607040605" pitchFamily="66" charset="0"/>
               </a:rPr>
               <a:t>ihany</a:t>
             </a:r>
             <a:endParaRPr lang="fr-FR" sz="9600" b="1" dirty="0" smtClean="0">
-              <a:solidFill>
-                <a:schemeClr val="accent5"/>
-              </a:solidFill>
-              <a:effectLst/>
+              <a:effectLst>
+                <a:outerShdw blurRad="38100" dist="38100" dir="2700000" algn="tl">
+                  <a:srgbClr val="000000">
+                    <a:alpha val="43137"/>
+                  </a:srgbClr>
+                </a:outerShdw>
+              </a:effectLst>
               <a:latin typeface="French Script MT" panose="03020402040607040605" pitchFamily="66" charset="0"/>
             </a:endParaRPr>
           </a:p>
@@ -5941,18 +6359,26 @@
             <a:pPr algn="ctr"/>
             <a:r>
               <a:rPr lang="en-GB" sz="9600" b="1" dirty="0" err="1" smtClean="0">
-                <a:solidFill>
-                  <a:schemeClr val="accent5"/>
-                </a:solidFill>
+                <a:effectLst>
+                  <a:outerShdw blurRad="38100" dist="38100" dir="2700000" algn="tl">
+                    <a:srgbClr val="000000">
+                      <a:alpha val="43137"/>
+                    </a:srgbClr>
+                  </a:outerShdw>
+                </a:effectLst>
                 <a:latin typeface="French Script MT" panose="03020402040607040605" pitchFamily="66" charset="0"/>
               </a:rPr>
               <a:t>Miovaova</a:t>
             </a:r>
             <a:r>
               <a:rPr lang="en-GB" sz="9600" b="1" dirty="0" smtClean="0">
-                <a:solidFill>
-                  <a:schemeClr val="accent5"/>
-                </a:solidFill>
+                <a:effectLst>
+                  <a:outerShdw blurRad="38100" dist="38100" dir="2700000" algn="tl">
+                    <a:srgbClr val="000000">
+                      <a:alpha val="43137"/>
+                    </a:srgbClr>
+                  </a:outerShdw>
+                </a:effectLst>
                 <a:latin typeface="French Script MT" panose="03020402040607040605" pitchFamily="66" charset="0"/>
               </a:rPr>
               <a:t> </a:t>
@@ -5962,62 +6388,90 @@
             <a:pPr algn="ctr"/>
             <a:r>
               <a:rPr lang="en-GB" sz="9600" b="1" dirty="0" err="1" smtClean="0">
-                <a:solidFill>
-                  <a:schemeClr val="accent5"/>
-                </a:solidFill>
+                <a:effectLst>
+                  <a:outerShdw blurRad="38100" dist="38100" dir="2700000" algn="tl">
+                    <a:srgbClr val="000000">
+                      <a:alpha val="43137"/>
+                    </a:srgbClr>
+                  </a:outerShdw>
+                </a:effectLst>
                 <a:latin typeface="French Script MT" panose="03020402040607040605" pitchFamily="66" charset="0"/>
               </a:rPr>
               <a:t>Tsy</a:t>
             </a:r>
             <a:r>
               <a:rPr lang="en-GB" sz="9600" b="1" dirty="0" smtClean="0">
-                <a:solidFill>
-                  <a:schemeClr val="accent5"/>
-                </a:solidFill>
+                <a:effectLst>
+                  <a:outerShdw blurRad="38100" dist="38100" dir="2700000" algn="tl">
+                    <a:srgbClr val="000000">
+                      <a:alpha val="43137"/>
+                    </a:srgbClr>
+                  </a:outerShdw>
+                </a:effectLst>
                 <a:latin typeface="French Script MT" panose="03020402040607040605" pitchFamily="66" charset="0"/>
               </a:rPr>
               <a:t> </a:t>
             </a:r>
             <a:r>
               <a:rPr lang="en-GB" sz="9600" b="1" dirty="0" err="1" smtClean="0">
-                <a:solidFill>
-                  <a:schemeClr val="accent5"/>
-                </a:solidFill>
+                <a:effectLst>
+                  <a:outerShdw blurRad="38100" dist="38100" dir="2700000" algn="tl">
+                    <a:srgbClr val="000000">
+                      <a:alpha val="43137"/>
+                    </a:srgbClr>
+                  </a:outerShdw>
+                </a:effectLst>
                 <a:latin typeface="French Script MT" panose="03020402040607040605" pitchFamily="66" charset="0"/>
               </a:rPr>
               <a:t>azo</a:t>
             </a:r>
             <a:r>
               <a:rPr lang="en-GB" sz="9600" b="1" dirty="0" smtClean="0">
-                <a:solidFill>
-                  <a:schemeClr val="accent5"/>
-                </a:solidFill>
+                <a:effectLst>
+                  <a:outerShdw blurRad="38100" dist="38100" dir="2700000" algn="tl">
+                    <a:srgbClr val="000000">
+                      <a:alpha val="43137"/>
+                    </a:srgbClr>
+                  </a:outerShdw>
+                </a:effectLst>
                 <a:latin typeface="French Script MT" panose="03020402040607040605" pitchFamily="66" charset="0"/>
               </a:rPr>
               <a:t> </a:t>
             </a:r>
             <a:r>
               <a:rPr lang="en-GB" sz="9600" b="1" dirty="0" err="1" smtClean="0">
-                <a:solidFill>
-                  <a:schemeClr val="accent5"/>
-                </a:solidFill>
+                <a:effectLst>
+                  <a:outerShdw blurRad="38100" dist="38100" dir="2700000" algn="tl">
+                    <a:srgbClr val="000000">
+                      <a:alpha val="43137"/>
+                    </a:srgbClr>
+                  </a:outerShdw>
+                </a:effectLst>
                 <a:latin typeface="French Script MT" panose="03020402040607040605" pitchFamily="66" charset="0"/>
               </a:rPr>
               <a:t>ianteherana</a:t>
             </a:r>
             <a:r>
               <a:rPr lang="en-GB" sz="9600" b="1" dirty="0" smtClean="0">
-                <a:solidFill>
-                  <a:schemeClr val="accent5"/>
-                </a:solidFill>
+                <a:effectLst>
+                  <a:outerShdw blurRad="38100" dist="38100" dir="2700000" algn="tl">
+                    <a:srgbClr val="000000">
+                      <a:alpha val="43137"/>
+                    </a:srgbClr>
+                  </a:outerShdw>
+                </a:effectLst>
                 <a:latin typeface="French Script MT" panose="03020402040607040605" pitchFamily="66" charset="0"/>
               </a:rPr>
               <a:t>,</a:t>
             </a:r>
             <a:endParaRPr lang="fr-FR" sz="9600" b="1" dirty="0">
-              <a:solidFill>
-                <a:schemeClr val="accent5"/>
-              </a:solidFill>
+              <a:effectLst>
+                <a:outerShdw blurRad="38100" dist="38100" dir="2700000" algn="tl">
+                  <a:srgbClr val="000000">
+                    <a:alpha val="43137"/>
+                  </a:srgbClr>
+                </a:outerShdw>
+              </a:effectLst>
               <a:latin typeface="French Script MT" panose="03020402040607040605" pitchFamily="66" charset="0"/>
             </a:endParaRPr>
           </a:p>
@@ -6068,7 +6522,7 @@
         </p:nvSpPr>
         <p:spPr>
           <a:xfrm>
-            <a:off x="0" y="0"/>
+            <a:off x="0" y="-13648"/>
             <a:ext cx="11167241" cy="6001643"/>
           </a:xfrm>
           <a:prstGeom prst="rect">
@@ -6085,44 +6539,64 @@
             <a:pPr algn="ctr"/>
             <a:r>
               <a:rPr lang="en-GB" sz="9600" b="1" dirty="0" smtClean="0">
-                <a:solidFill>
-                  <a:schemeClr val="accent5"/>
-                </a:solidFill>
+                <a:effectLst>
+                  <a:outerShdw blurRad="38100" dist="38100" dir="2700000" algn="tl">
+                    <a:srgbClr val="000000">
+                      <a:alpha val="43137"/>
+                    </a:srgbClr>
+                  </a:outerShdw>
+                </a:effectLst>
                 <a:latin typeface="French Script MT" panose="03020402040607040605" pitchFamily="66" charset="0"/>
               </a:rPr>
               <a:t>Be no </a:t>
             </a:r>
             <a:r>
               <a:rPr lang="en-GB" sz="9600" b="1" dirty="0" err="1" smtClean="0">
-                <a:solidFill>
-                  <a:schemeClr val="accent5"/>
-                </a:solidFill>
+                <a:effectLst>
+                  <a:outerShdw blurRad="38100" dist="38100" dir="2700000" algn="tl">
+                    <a:srgbClr val="000000">
+                      <a:alpha val="43137"/>
+                    </a:srgbClr>
+                  </a:outerShdw>
+                </a:effectLst>
                 <a:latin typeface="French Script MT" panose="03020402040607040605" pitchFamily="66" charset="0"/>
               </a:rPr>
               <a:t>efa</a:t>
             </a:r>
             <a:r>
               <a:rPr lang="en-GB" sz="9600" b="1" dirty="0" smtClean="0">
-                <a:solidFill>
-                  <a:schemeClr val="accent5"/>
-                </a:solidFill>
+                <a:effectLst>
+                  <a:outerShdw blurRad="38100" dist="38100" dir="2700000" algn="tl">
+                    <a:srgbClr val="000000">
+                      <a:alpha val="43137"/>
+                    </a:srgbClr>
+                  </a:outerShdw>
+                </a:effectLst>
                 <a:latin typeface="French Script MT" panose="03020402040607040605" pitchFamily="66" charset="0"/>
               </a:rPr>
               <a:t> </a:t>
             </a:r>
             <a:r>
               <a:rPr lang="en-GB" sz="9600" b="1" dirty="0" err="1" smtClean="0">
-                <a:solidFill>
-                  <a:schemeClr val="accent5"/>
-                </a:solidFill>
+                <a:effectLst>
+                  <a:outerShdw blurRad="38100" dist="38100" dir="2700000" algn="tl">
+                    <a:srgbClr val="000000">
+                      <a:alpha val="43137"/>
+                    </a:srgbClr>
+                  </a:outerShdw>
+                </a:effectLst>
                 <a:latin typeface="French Script MT" panose="03020402040607040605" pitchFamily="66" charset="0"/>
               </a:rPr>
               <a:t>voa</a:t>
             </a:r>
             <a:endParaRPr lang="en-GB" sz="9600" b="1" dirty="0" smtClean="0">
-              <a:solidFill>
-                <a:schemeClr val="accent5"/>
-              </a:solidFill>
+              <a:effectLst>
+                <a:outerShdw blurRad="38100" dist="38100" dir="2700000" algn="tl">
+                  <a:srgbClr val="000000">
+                    <a:alpha val="43137"/>
+                  </a:srgbClr>
+                </a:outerShdw>
+              </a:effectLst>
               <a:latin typeface="French Script MT" panose="03020402040607040605" pitchFamily="66" charset="0"/>
             </a:endParaRPr>
           </a:p>
@@ -6130,63 +6604,90 @@
             <a:pPr algn="ctr"/>
             <a:r>
               <a:rPr lang="en-GB" sz="9600" b="1" dirty="0" smtClean="0">
-                <a:solidFill>
-                  <a:schemeClr val="accent5"/>
-                </a:solidFill>
+                <a:effectLst>
+                  <a:outerShdw blurRad="38100" dist="38100" dir="2700000" algn="tl">
+                    <a:srgbClr val="000000">
+                      <a:alpha val="43137"/>
+                    </a:srgbClr>
+                  </a:outerShdw>
+                </a:effectLst>
                 <a:latin typeface="French Script MT" panose="03020402040607040605" pitchFamily="66" charset="0"/>
               </a:rPr>
               <a:t> </a:t>
             </a:r>
             <a:r>
               <a:rPr lang="en-GB" sz="9600" b="1" dirty="0" err="1" smtClean="0">
-                <a:solidFill>
-                  <a:schemeClr val="accent5"/>
-                </a:solidFill>
+                <a:effectLst>
+                  <a:outerShdw blurRad="38100" dist="38100" dir="2700000" algn="tl">
+                    <a:srgbClr val="000000">
+                      <a:alpha val="43137"/>
+                    </a:srgbClr>
+                  </a:outerShdw>
+                </a:effectLst>
                 <a:latin typeface="French Script MT" panose="03020402040607040605" pitchFamily="66" charset="0"/>
               </a:rPr>
               <a:t>ka</a:t>
             </a:r>
             <a:r>
               <a:rPr lang="en-GB" sz="9600" b="1" dirty="0" smtClean="0">
-                <a:solidFill>
-                  <a:schemeClr val="accent5"/>
-                </a:solidFill>
+                <a:effectLst>
+                  <a:outerShdw blurRad="38100" dist="38100" dir="2700000" algn="tl">
+                    <a:srgbClr val="000000">
+                      <a:alpha val="43137"/>
+                    </a:srgbClr>
+                  </a:outerShdw>
+                </a:effectLst>
                 <a:latin typeface="French Script MT" panose="03020402040607040605" pitchFamily="66" charset="0"/>
               </a:rPr>
               <a:t> </a:t>
             </a:r>
             <a:r>
               <a:rPr lang="en-GB" sz="9600" b="1" dirty="0" err="1" smtClean="0">
-                <a:solidFill>
-                  <a:schemeClr val="accent5"/>
-                </a:solidFill>
+                <a:effectLst>
+                  <a:outerShdw blurRad="38100" dist="38100" dir="2700000" algn="tl">
+                    <a:srgbClr val="000000">
+                      <a:alpha val="43137"/>
+                    </a:srgbClr>
+                  </a:outerShdw>
+                </a:effectLst>
                 <a:latin typeface="French Script MT" panose="03020402040607040605" pitchFamily="66" charset="0"/>
               </a:rPr>
               <a:t>mamoy</a:t>
             </a:r>
             <a:r>
               <a:rPr lang="en-GB" sz="9600" b="1" dirty="0" smtClean="0">
-                <a:solidFill>
-                  <a:schemeClr val="accent5"/>
-                </a:solidFill>
+                <a:effectLst>
+                  <a:outerShdw blurRad="38100" dist="38100" dir="2700000" algn="tl">
+                    <a:srgbClr val="000000">
+                      <a:alpha val="43137"/>
+                    </a:srgbClr>
+                  </a:outerShdw>
+                </a:effectLst>
                 <a:latin typeface="French Script MT" panose="03020402040607040605" pitchFamily="66" charset="0"/>
               </a:rPr>
               <a:t> </a:t>
             </a:r>
             <a:r>
               <a:rPr lang="en-GB" sz="9600" b="1" dirty="0" err="1" smtClean="0">
-                <a:solidFill>
-                  <a:schemeClr val="accent5"/>
-                </a:solidFill>
+                <a:effectLst>
+                  <a:outerShdw blurRad="38100" dist="38100" dir="2700000" algn="tl">
+                    <a:srgbClr val="000000">
+                      <a:alpha val="43137"/>
+                    </a:srgbClr>
+                  </a:outerShdw>
+                </a:effectLst>
                 <a:latin typeface="French Script MT" panose="03020402040607040605" pitchFamily="66" charset="0"/>
               </a:rPr>
               <a:t>fo</a:t>
             </a:r>
             <a:endParaRPr lang="fr-FR" sz="9600" b="1" dirty="0" smtClean="0">
-              <a:solidFill>
-                <a:schemeClr val="accent5"/>
-              </a:solidFill>
-              <a:effectLst/>
+              <a:effectLst>
+                <a:outerShdw blurRad="38100" dist="38100" dir="2700000" algn="tl">
+                  <a:srgbClr val="000000">
+                    <a:alpha val="43137"/>
+                  </a:srgbClr>
+                </a:outerShdw>
+              </a:effectLst>
               <a:latin typeface="French Script MT" panose="03020402040607040605" pitchFamily="66" charset="0"/>
             </a:endParaRPr>
           </a:p>
@@ -6194,45 +6695,65 @@
             <a:pPr algn="ctr"/>
             <a:r>
               <a:rPr lang="en-GB" sz="9600" b="1" dirty="0" err="1" smtClean="0">
-                <a:solidFill>
-                  <a:schemeClr val="accent5"/>
-                </a:solidFill>
+                <a:effectLst>
+                  <a:outerShdw blurRad="38100" dist="38100" dir="2700000" algn="tl">
+                    <a:srgbClr val="000000">
+                      <a:alpha val="43137"/>
+                    </a:srgbClr>
+                  </a:outerShdw>
+                </a:effectLst>
                 <a:latin typeface="French Script MT" panose="03020402040607040605" pitchFamily="66" charset="0"/>
               </a:rPr>
               <a:t>Fa</a:t>
             </a:r>
             <a:r>
               <a:rPr lang="en-GB" sz="9600" b="1" dirty="0" smtClean="0">
-                <a:solidFill>
-                  <a:schemeClr val="accent5"/>
-                </a:solidFill>
+                <a:effectLst>
+                  <a:outerShdw blurRad="38100" dist="38100" dir="2700000" algn="tl">
+                    <a:srgbClr val="000000">
+                      <a:alpha val="43137"/>
+                    </a:srgbClr>
+                  </a:outerShdw>
+                </a:effectLst>
                 <a:latin typeface="French Script MT" panose="03020402040607040605" pitchFamily="66" charset="0"/>
               </a:rPr>
               <a:t> </a:t>
             </a:r>
             <a:r>
               <a:rPr lang="en-GB" sz="9600" b="1" dirty="0" err="1">
-                <a:solidFill>
-                  <a:schemeClr val="accent5"/>
-                </a:solidFill>
+                <a:effectLst>
+                  <a:outerShdw blurRad="38100" dist="38100" dir="2700000" algn="tl">
+                    <a:srgbClr val="000000">
+                      <a:alpha val="43137"/>
+                    </a:srgbClr>
+                  </a:outerShdw>
+                </a:effectLst>
                 <a:latin typeface="French Script MT" panose="03020402040607040605" pitchFamily="66" charset="0"/>
               </a:rPr>
               <a:t>izany</a:t>
             </a:r>
             <a:r>
               <a:rPr lang="en-GB" sz="9600" b="1" dirty="0">
-                <a:solidFill>
-                  <a:schemeClr val="accent5"/>
-                </a:solidFill>
+                <a:effectLst>
+                  <a:outerShdw blurRad="38100" dist="38100" dir="2700000" algn="tl">
+                    <a:srgbClr val="000000">
+                      <a:alpha val="43137"/>
+                    </a:srgbClr>
+                  </a:outerShdw>
+                </a:effectLst>
                 <a:latin typeface="French Script MT" panose="03020402040607040605" pitchFamily="66" charset="0"/>
               </a:rPr>
               <a:t> </a:t>
             </a:r>
             <a:r>
               <a:rPr lang="en-GB" sz="9600" b="1" dirty="0" smtClean="0">
-                <a:solidFill>
-                  <a:schemeClr val="accent5"/>
-                </a:solidFill>
+                <a:effectLst>
+                  <a:outerShdw blurRad="38100" dist="38100" dir="2700000" algn="tl">
+                    <a:srgbClr val="000000">
+                      <a:alpha val="43137"/>
+                    </a:srgbClr>
+                  </a:outerShdw>
+                </a:effectLst>
                 <a:latin typeface="French Script MT" panose="03020402040607040605" pitchFamily="66" charset="0"/>
               </a:rPr>
               <a:t>no</a:t>
@@ -6242,53 +6763,77 @@
             <a:pPr algn="ctr"/>
             <a:r>
               <a:rPr lang="en-GB" sz="9600" b="1" dirty="0" smtClean="0">
-                <a:solidFill>
-                  <a:schemeClr val="accent5"/>
-                </a:solidFill>
+                <a:effectLst>
+                  <a:outerShdw blurRad="38100" dist="38100" dir="2700000" algn="tl">
+                    <a:srgbClr val="000000">
+                      <a:alpha val="43137"/>
+                    </a:srgbClr>
+                  </a:outerShdw>
+                </a:effectLst>
                 <a:latin typeface="French Script MT" panose="03020402040607040605" pitchFamily="66" charset="0"/>
               </a:rPr>
               <a:t> </a:t>
             </a:r>
             <a:r>
               <a:rPr lang="en-GB" sz="9600" b="1" dirty="0" err="1">
-                <a:solidFill>
-                  <a:schemeClr val="accent5"/>
-                </a:solidFill>
+                <a:effectLst>
+                  <a:outerShdw blurRad="38100" dist="38100" dir="2700000" algn="tl">
+                    <a:srgbClr val="000000">
+                      <a:alpha val="43137"/>
+                    </a:srgbClr>
+                  </a:outerShdw>
+                </a:effectLst>
                 <a:latin typeface="French Script MT" panose="03020402040607040605" pitchFamily="66" charset="0"/>
               </a:rPr>
               <a:t>fomban’ny</a:t>
             </a:r>
             <a:r>
               <a:rPr lang="en-GB" sz="9600" b="1" dirty="0">
-                <a:solidFill>
-                  <a:schemeClr val="accent5"/>
-                </a:solidFill>
+                <a:effectLst>
+                  <a:outerShdw blurRad="38100" dist="38100" dir="2700000" algn="tl">
+                    <a:srgbClr val="000000">
+                      <a:alpha val="43137"/>
+                    </a:srgbClr>
+                  </a:outerShdw>
+                </a:effectLst>
                 <a:latin typeface="French Script MT" panose="03020402040607040605" pitchFamily="66" charset="0"/>
               </a:rPr>
               <a:t> </a:t>
             </a:r>
             <a:r>
               <a:rPr lang="en-GB" sz="9600" b="1" dirty="0" err="1" smtClean="0">
-                <a:solidFill>
-                  <a:schemeClr val="accent5"/>
-                </a:solidFill>
+                <a:effectLst>
+                  <a:outerShdw blurRad="38100" dist="38100" dir="2700000" algn="tl">
+                    <a:srgbClr val="000000">
+                      <a:alpha val="43137"/>
+                    </a:srgbClr>
+                  </a:outerShdw>
+                </a:effectLst>
                 <a:latin typeface="French Script MT" panose="03020402040607040605" pitchFamily="66" charset="0"/>
               </a:rPr>
               <a:t>tany</a:t>
             </a:r>
             <a:r>
               <a:rPr lang="en-GB" sz="9600" b="1" dirty="0" smtClean="0">
-                <a:solidFill>
-                  <a:schemeClr val="accent5"/>
-                </a:solidFill>
+                <a:effectLst>
+                  <a:outerShdw blurRad="38100" dist="38100" dir="2700000" algn="tl">
+                    <a:srgbClr val="000000">
+                      <a:alpha val="43137"/>
+                    </a:srgbClr>
+                  </a:outerShdw>
+                </a:effectLst>
                 <a:latin typeface="French Script MT" panose="03020402040607040605" pitchFamily="66" charset="0"/>
               </a:rPr>
               <a:t>    </a:t>
             </a:r>
             <a:endParaRPr lang="fr-FR" sz="9600" b="1" dirty="0">
-              <a:solidFill>
-                <a:schemeClr val="accent5"/>
-              </a:solidFill>
+              <a:effectLst>
+                <a:outerShdw blurRad="38100" dist="38100" dir="2700000" algn="tl">
+                  <a:srgbClr val="000000">
+                    <a:alpha val="43137"/>
+                  </a:srgbClr>
+                </a:outerShdw>
+              </a:effectLst>
               <a:latin typeface="French Script MT" panose="03020402040607040605" pitchFamily="66" charset="0"/>
             </a:endParaRPr>
           </a:p>
@@ -6356,62 +6901,41 @@
             <a:pPr algn="ctr"/>
             <a:r>
               <a:rPr lang="en-GB" sz="9600" b="1" dirty="0" smtClean="0">
-                <a:solidFill>
-                  <a:schemeClr val="accent5"/>
-                </a:solidFill>
                 <a:latin typeface="French Script MT" panose="03020402040607040605" pitchFamily="66" charset="0"/>
               </a:rPr>
               <a:t>Toa </a:t>
             </a:r>
             <a:r>
               <a:rPr lang="en-GB" sz="9600" b="1" dirty="0" err="1">
-                <a:solidFill>
-                  <a:schemeClr val="accent5"/>
-                </a:solidFill>
                 <a:latin typeface="French Script MT" panose="03020402040607040605" pitchFamily="66" charset="0"/>
               </a:rPr>
               <a:t>fiainana</a:t>
             </a:r>
             <a:r>
               <a:rPr lang="en-GB" sz="9600" b="1" dirty="0">
-                <a:solidFill>
-                  <a:schemeClr val="accent5"/>
-                </a:solidFill>
                 <a:latin typeface="French Script MT" panose="03020402040607040605" pitchFamily="66" charset="0"/>
               </a:rPr>
               <a:t> </a:t>
             </a:r>
             <a:r>
               <a:rPr lang="en-GB" sz="9600" b="1" dirty="0" err="1">
-                <a:solidFill>
-                  <a:schemeClr val="accent5"/>
-                </a:solidFill>
                 <a:latin typeface="French Script MT" panose="03020402040607040605" pitchFamily="66" charset="0"/>
               </a:rPr>
               <a:t>raha</a:t>
             </a:r>
             <a:r>
               <a:rPr lang="en-GB" sz="9600" b="1" dirty="0">
-                <a:solidFill>
-                  <a:schemeClr val="accent5"/>
-                </a:solidFill>
                 <a:latin typeface="French Script MT" panose="03020402040607040605" pitchFamily="66" charset="0"/>
               </a:rPr>
               <a:t> </a:t>
             </a:r>
             <a:r>
               <a:rPr lang="en-GB" sz="9600" b="1" dirty="0" err="1">
-                <a:solidFill>
-                  <a:schemeClr val="accent5"/>
-                </a:solidFill>
                 <a:latin typeface="French Script MT" panose="03020402040607040605" pitchFamily="66" charset="0"/>
               </a:rPr>
               <a:t>jerena</a:t>
             </a:r>
             <a:endParaRPr lang="fr-FR" sz="9600" b="1" dirty="0" smtClean="0">
-              <a:solidFill>
-                <a:schemeClr val="accent5"/>
-              </a:solidFill>
               <a:effectLst/>
               <a:latin typeface="French Script MT" panose="03020402040607040605" pitchFamily="66" charset="0"/>
             </a:endParaRPr>
@@ -6420,80 +6944,53 @@
             <a:pPr algn="ctr"/>
             <a:r>
               <a:rPr lang="en-GB" sz="9600" b="1" dirty="0">
-                <a:solidFill>
-                  <a:schemeClr val="accent5"/>
-                </a:solidFill>
                 <a:latin typeface="French Script MT" panose="03020402040607040605" pitchFamily="66" charset="0"/>
               </a:rPr>
               <a:t>    </a:t>
             </a:r>
             <a:r>
               <a:rPr lang="en-GB" sz="9600" b="1" dirty="0" err="1">
-                <a:solidFill>
-                  <a:schemeClr val="accent5"/>
-                </a:solidFill>
                 <a:latin typeface="French Script MT" panose="03020402040607040605" pitchFamily="66" charset="0"/>
               </a:rPr>
               <a:t>Kanjo</a:t>
             </a:r>
             <a:r>
               <a:rPr lang="en-GB" sz="9600" b="1" dirty="0">
-                <a:solidFill>
-                  <a:schemeClr val="accent5"/>
-                </a:solidFill>
                 <a:latin typeface="French Script MT" panose="03020402040607040605" pitchFamily="66" charset="0"/>
               </a:rPr>
               <a:t> </a:t>
             </a:r>
             <a:r>
               <a:rPr lang="en-GB" sz="9600" b="1" dirty="0" err="1">
-                <a:solidFill>
-                  <a:schemeClr val="accent5"/>
-                </a:solidFill>
                 <a:latin typeface="French Script MT" panose="03020402040607040605" pitchFamily="66" charset="0"/>
               </a:rPr>
               <a:t>indrisy</a:t>
             </a:r>
             <a:r>
               <a:rPr lang="en-GB" sz="9600" b="1" dirty="0">
-                <a:solidFill>
-                  <a:schemeClr val="accent5"/>
-                </a:solidFill>
                 <a:latin typeface="French Script MT" panose="03020402040607040605" pitchFamily="66" charset="0"/>
               </a:rPr>
               <a:t> </a:t>
             </a:r>
             <a:r>
               <a:rPr lang="en-GB" sz="9600" b="1" dirty="0" err="1">
-                <a:solidFill>
-                  <a:schemeClr val="accent5"/>
-                </a:solidFill>
                 <a:latin typeface="French Script MT" panose="03020402040607040605" pitchFamily="66" charset="0"/>
               </a:rPr>
               <a:t>fa</a:t>
             </a:r>
             <a:r>
               <a:rPr lang="en-GB" sz="9600" b="1" dirty="0">
-                <a:solidFill>
-                  <a:schemeClr val="accent5"/>
-                </a:solidFill>
                 <a:latin typeface="French Script MT" panose="03020402040607040605" pitchFamily="66" charset="0"/>
               </a:rPr>
               <a:t> </a:t>
             </a:r>
             <a:r>
               <a:rPr lang="en-GB" sz="9600" b="1" dirty="0" err="1">
-                <a:solidFill>
-                  <a:schemeClr val="accent5"/>
-                </a:solidFill>
                 <a:latin typeface="French Script MT" panose="03020402040607040605" pitchFamily="66" charset="0"/>
               </a:rPr>
               <a:t>mahonena</a:t>
             </a:r>
             <a:endParaRPr lang="fr-FR" sz="9600" b="1" dirty="0" smtClean="0">
-              <a:solidFill>
-                <a:schemeClr val="accent5"/>
-              </a:solidFill>
               <a:effectLst/>
               <a:latin typeface="French Script MT" panose="03020402040607040605" pitchFamily="66" charset="0"/>
             </a:endParaRPr>
@@ -6502,71 +6999,47 @@
             <a:pPr algn="ctr"/>
             <a:r>
               <a:rPr lang="en-GB" sz="9600" b="1" dirty="0">
-                <a:solidFill>
-                  <a:schemeClr val="accent5"/>
-                </a:solidFill>
                 <a:latin typeface="French Script MT" panose="03020402040607040605" pitchFamily="66" charset="0"/>
               </a:rPr>
               <a:t>   </a:t>
             </a:r>
             <a:r>
               <a:rPr lang="en-GB" sz="9600" b="1" dirty="0" err="1">
-                <a:solidFill>
-                  <a:schemeClr val="accent5"/>
-                </a:solidFill>
                 <a:latin typeface="French Script MT" panose="03020402040607040605" pitchFamily="66" charset="0"/>
               </a:rPr>
               <a:t>Hasambarana</a:t>
             </a:r>
             <a:r>
               <a:rPr lang="en-GB" sz="9600" b="1" dirty="0">
-                <a:solidFill>
-                  <a:schemeClr val="accent5"/>
-                </a:solidFill>
                 <a:latin typeface="French Script MT" panose="03020402040607040605" pitchFamily="66" charset="0"/>
               </a:rPr>
               <a:t> </a:t>
             </a:r>
             <a:r>
               <a:rPr lang="en-GB" sz="9600" b="1" dirty="0" err="1" smtClean="0">
-                <a:solidFill>
-                  <a:schemeClr val="accent5"/>
-                </a:solidFill>
                 <a:latin typeface="French Script MT" panose="03020402040607040605" pitchFamily="66" charset="0"/>
               </a:rPr>
               <a:t>miserana</a:t>
             </a:r>
             <a:r>
               <a:rPr lang="en-GB" sz="9600" b="1" dirty="0" smtClean="0">
-                <a:solidFill>
-                  <a:schemeClr val="accent5"/>
-                </a:solidFill>
                 <a:latin typeface="French Script MT" panose="03020402040607040605" pitchFamily="66" charset="0"/>
               </a:rPr>
               <a:t> </a:t>
             </a:r>
             <a:r>
               <a:rPr lang="en-GB" sz="9600" b="1" dirty="0" err="1">
-                <a:solidFill>
-                  <a:schemeClr val="accent5"/>
-                </a:solidFill>
                 <a:latin typeface="French Script MT" panose="03020402040607040605" pitchFamily="66" charset="0"/>
               </a:rPr>
               <a:t>ihany</a:t>
             </a:r>
             <a:r>
               <a:rPr lang="en-GB" sz="9600" b="1" dirty="0" smtClean="0">
-                <a:solidFill>
-                  <a:schemeClr val="accent5"/>
-                </a:solidFill>
                 <a:latin typeface="French Script MT" panose="03020402040607040605" pitchFamily="66" charset="0"/>
               </a:rPr>
               <a:t>.</a:t>
             </a:r>
             <a:endParaRPr lang="fr-FR" sz="9600" b="1" dirty="0">
-              <a:solidFill>
-                <a:schemeClr val="accent5"/>
-              </a:solidFill>
               <a:latin typeface="French Script MT" panose="03020402040607040605" pitchFamily="66" charset="0"/>
             </a:endParaRPr>
           </a:p>
